--- a/Research_Logging  Framework/File document and power point/LOGGING FRAMEWORK.pptx
+++ b/Research_Logging  Framework/File document and power point/LOGGING FRAMEWORK.pptx
@@ -6,29 +6,32 @@
   </p:sldMasterIdLst>
   <p:sldIdLst>
     <p:sldId id="256" r:id="rId2"/>
-    <p:sldId id="257" r:id="rId3"/>
-    <p:sldId id="258" r:id="rId4"/>
-    <p:sldId id="259" r:id="rId5"/>
-    <p:sldId id="260" r:id="rId6"/>
-    <p:sldId id="261" r:id="rId7"/>
-    <p:sldId id="262" r:id="rId8"/>
-    <p:sldId id="270" r:id="rId9"/>
-    <p:sldId id="263" r:id="rId10"/>
-    <p:sldId id="264" r:id="rId11"/>
-    <p:sldId id="272" r:id="rId12"/>
-    <p:sldId id="269" r:id="rId13"/>
-    <p:sldId id="267" r:id="rId14"/>
-    <p:sldId id="271" r:id="rId15"/>
-    <p:sldId id="268" r:id="rId16"/>
-    <p:sldId id="266" r:id="rId17"/>
-    <p:sldId id="273" r:id="rId18"/>
-    <p:sldId id="274" r:id="rId19"/>
-    <p:sldId id="275" r:id="rId20"/>
-    <p:sldId id="276" r:id="rId21"/>
-    <p:sldId id="277" r:id="rId22"/>
-    <p:sldId id="278" r:id="rId23"/>
-    <p:sldId id="279" r:id="rId24"/>
-    <p:sldId id="280" r:id="rId25"/>
+    <p:sldId id="281" r:id="rId3"/>
+    <p:sldId id="257" r:id="rId4"/>
+    <p:sldId id="258" r:id="rId5"/>
+    <p:sldId id="259" r:id="rId6"/>
+    <p:sldId id="260" r:id="rId7"/>
+    <p:sldId id="282" r:id="rId8"/>
+    <p:sldId id="261" r:id="rId9"/>
+    <p:sldId id="262" r:id="rId10"/>
+    <p:sldId id="270" r:id="rId11"/>
+    <p:sldId id="263" r:id="rId12"/>
+    <p:sldId id="264" r:id="rId13"/>
+    <p:sldId id="272" r:id="rId14"/>
+    <p:sldId id="269" r:id="rId15"/>
+    <p:sldId id="267" r:id="rId16"/>
+    <p:sldId id="271" r:id="rId17"/>
+    <p:sldId id="268" r:id="rId18"/>
+    <p:sldId id="266" r:id="rId19"/>
+    <p:sldId id="273" r:id="rId20"/>
+    <p:sldId id="274" r:id="rId21"/>
+    <p:sldId id="275" r:id="rId22"/>
+    <p:sldId id="276" r:id="rId23"/>
+    <p:sldId id="277" r:id="rId24"/>
+    <p:sldId id="278" r:id="rId25"/>
+    <p:sldId id="279" r:id="rId26"/>
+    <p:sldId id="280" r:id="rId27"/>
+    <p:sldId id="283" r:id="rId28"/>
   </p:sldIdLst>
   <p:sldSz cx="9144000" cy="6858000" type="screen4x3"/>
   <p:notesSz cx="6858000" cy="9144000"/>
@@ -267,7 +270,7 @@
           <a:p>
             <a:fld id="{1AEDA705-CE54-4072-9747-817D27FDA26A}" type="datetimeFigureOut">
               <a:rPr lang="en-US" smtClean="0"/>
-              <a:t>9/28/2016</a:t>
+              <a:t>10/4/2016</a:t>
             </a:fld>
             <a:endParaRPr lang="en-US"/>
           </a:p>
@@ -1136,7 +1139,7 @@
           <a:p>
             <a:fld id="{1AEDA705-CE54-4072-9747-817D27FDA26A}" type="datetimeFigureOut">
               <a:rPr lang="en-US" smtClean="0"/>
-              <a:t>9/28/2016</a:t>
+              <a:t>10/4/2016</a:t>
             </a:fld>
             <a:endParaRPr lang="en-US"/>
           </a:p>
@@ -1311,7 +1314,7 @@
           <a:p>
             <a:fld id="{1AEDA705-CE54-4072-9747-817D27FDA26A}" type="datetimeFigureOut">
               <a:rPr lang="en-US" smtClean="0"/>
-              <a:t>9/28/2016</a:t>
+              <a:t>10/4/2016</a:t>
             </a:fld>
             <a:endParaRPr lang="en-US"/>
           </a:p>
@@ -1481,7 +1484,7 @@
           <a:p>
             <a:fld id="{1AEDA705-CE54-4072-9747-817D27FDA26A}" type="datetimeFigureOut">
               <a:rPr lang="en-US" smtClean="0"/>
-              <a:t>9/28/2016</a:t>
+              <a:t>10/4/2016</a:t>
             </a:fld>
             <a:endParaRPr lang="en-US"/>
           </a:p>
@@ -1691,7 +1694,7 @@
           <a:p>
             <a:fld id="{1AEDA705-CE54-4072-9747-817D27FDA26A}" type="datetimeFigureOut">
               <a:rPr lang="en-US" smtClean="0"/>
-              <a:t>9/28/2016</a:t>
+              <a:t>10/4/2016</a:t>
             </a:fld>
             <a:endParaRPr lang="en-US"/>
           </a:p>
@@ -2505,7 +2508,7 @@
           <a:p>
             <a:fld id="{1AEDA705-CE54-4072-9747-817D27FDA26A}" type="datetimeFigureOut">
               <a:rPr lang="en-US" smtClean="0"/>
-              <a:t>9/28/2016</a:t>
+              <a:t>10/4/2016</a:t>
             </a:fld>
             <a:endParaRPr lang="en-US"/>
           </a:p>
@@ -2741,7 +2744,7 @@
           <a:p>
             <a:fld id="{1AEDA705-CE54-4072-9747-817D27FDA26A}" type="datetimeFigureOut">
               <a:rPr lang="en-US" smtClean="0"/>
-              <a:t>9/28/2016</a:t>
+              <a:t>10/4/2016</a:t>
             </a:fld>
             <a:endParaRPr lang="en-US"/>
           </a:p>
@@ -3064,7 +3067,7 @@
           <a:p>
             <a:fld id="{1AEDA705-CE54-4072-9747-817D27FDA26A}" type="datetimeFigureOut">
               <a:rPr lang="en-US" smtClean="0"/>
-              <a:t>9/28/2016</a:t>
+              <a:t>10/4/2016</a:t>
             </a:fld>
             <a:endParaRPr lang="en-US"/>
           </a:p>
@@ -3154,7 +3157,7 @@
           <a:p>
             <a:fld id="{1AEDA705-CE54-4072-9747-817D27FDA26A}" type="datetimeFigureOut">
               <a:rPr lang="en-US" smtClean="0"/>
-              <a:t>9/28/2016</a:t>
+              <a:t>10/4/2016</a:t>
             </a:fld>
             <a:endParaRPr lang="en-US"/>
           </a:p>
@@ -3671,7 +3674,7 @@
           <a:p>
             <a:fld id="{1AEDA705-CE54-4072-9747-817D27FDA26A}" type="datetimeFigureOut">
               <a:rPr lang="en-US" smtClean="0"/>
-              <a:t>9/28/2016</a:t>
+              <a:t>10/4/2016</a:t>
             </a:fld>
             <a:endParaRPr lang="en-US"/>
           </a:p>
@@ -4182,7 +4185,7 @@
           <a:p>
             <a:fld id="{1AEDA705-CE54-4072-9747-817D27FDA26A}" type="datetimeFigureOut">
               <a:rPr lang="en-US" smtClean="0"/>
-              <a:t>9/28/2016</a:t>
+              <a:t>10/4/2016</a:t>
             </a:fld>
             <a:endParaRPr lang="en-US"/>
           </a:p>
@@ -4427,7 +4430,7 @@
           <a:p>
             <a:fld id="{1AEDA705-CE54-4072-9747-817D27FDA26A}" type="datetimeFigureOut">
               <a:rPr lang="en-US" smtClean="0"/>
-              <a:t>9/28/2016</a:t>
+              <a:t>10/4/2016</a:t>
             </a:fld>
             <a:endParaRPr lang="en-US"/>
           </a:p>
@@ -5082,7 +5085,7 @@
           <a:p>
             <a:r>
               <a:rPr lang="en-US" dirty="0" smtClean="0"/>
-              <a:t>VAN NHUT NGUYEN</a:t>
+              <a:t>NGUYEN VAN NHUT</a:t>
             </a:r>
             <a:endParaRPr lang="en-US" dirty="0"/>
           </a:p>
@@ -5142,45 +5145,22 @@
           <a:p>
             <a:pPr algn="ctr"/>
             <a:r>
-              <a:rPr lang="en-US" dirty="0">
+              <a:rPr lang="en-US" dirty="0" smtClean="0">
                 <a:latin typeface="Times New Roman" pitchFamily="18" charset="0"/>
                 <a:cs typeface="Times New Roman" pitchFamily="18" charset="0"/>
               </a:rPr>
-              <a:t>log4j - Logging Methods</a:t>
-            </a:r>
-            <a:r>
-              <a:rPr lang="en-US" dirty="0"/>
-              <a:t/>
-            </a:r>
-            <a:br>
-              <a:rPr lang="en-US" dirty="0"/>
-            </a:br>
-            <a:endParaRPr lang="en-US" dirty="0"/>
-          </a:p>
-        </p:txBody>
-      </p:sp>
-      <p:sp>
-        <p:nvSpPr>
-          <p:cNvPr id="3" name="Content Placeholder 2"/>
-          <p:cNvSpPr>
-            <a:spLocks noGrp="1"/>
-          </p:cNvSpPr>
-          <p:nvPr>
-            <p:ph sz="quarter" idx="1"/>
-          </p:nvPr>
-        </p:nvSpPr>
-        <p:spPr/>
-        <p:txBody>
-          <a:bodyPr/>
-          <a:lstStyle/>
-          <a:p>
-            <a:endParaRPr lang="en-US" dirty="0"/>
+              <a:t>Logging levels</a:t>
+            </a:r>
+            <a:endParaRPr lang="en-US" dirty="0">
+              <a:latin typeface="Times New Roman" pitchFamily="18" charset="0"/>
+              <a:cs typeface="Times New Roman" pitchFamily="18" charset="0"/>
+            </a:endParaRPr>
           </a:p>
         </p:txBody>
       </p:sp>
       <p:pic>
         <p:nvPicPr>
-          <p:cNvPr id="2050" name="Picture 2"/>
+          <p:cNvPr id="1026" name="Picture 2"/>
           <p:cNvPicPr>
             <a:picLocks noChangeAspect="1" noChangeArrowheads="1"/>
           </p:cNvPicPr>
@@ -5201,8 +5181,8 @@
         </p:blipFill>
         <p:spPr bwMode="auto">
           <a:xfrm>
-            <a:off x="609600" y="1676400"/>
-            <a:ext cx="7153275" cy="4581525"/>
+            <a:off x="2286000" y="1938337"/>
+            <a:ext cx="3581400" cy="2981325"/>
           </a:xfrm>
           <a:prstGeom prst="rect">
             <a:avLst/>
@@ -5245,13 +5225,20 @@
     </p:spTree>
     <p:extLst>
       <p:ext uri="{BB962C8B-B14F-4D97-AF65-F5344CB8AC3E}">
-        <p14:creationId xmlns:p14="http://schemas.microsoft.com/office/powerpoint/2010/main" val="429453428"/>
+        <p14:creationId xmlns:p14="http://schemas.microsoft.com/office/powerpoint/2010/main" val="3647076966"/>
       </p:ext>
     </p:extLst>
   </p:cSld>
   <p:clrMapOvr>
     <a:masterClrMapping/>
   </p:clrMapOvr>
+  <p:timing>
+    <p:tnLst>
+      <p:par>
+        <p:cTn id="1" dur="indefinite" restart="never" nodeType="tmRoot"/>
+      </p:par>
+    </p:tnLst>
+  </p:timing>
 </p:sld>
 </file>
 
@@ -5293,14 +5280,7 @@
                 <a:latin typeface="Times New Roman" pitchFamily="18" charset="0"/>
                 <a:cs typeface="Times New Roman" pitchFamily="18" charset="0"/>
               </a:rPr>
-              <a:t>log4j - Logging </a:t>
-            </a:r>
-            <a:r>
-              <a:rPr lang="en-US" dirty="0" smtClean="0">
-                <a:latin typeface="Times New Roman" pitchFamily="18" charset="0"/>
-                <a:cs typeface="Times New Roman" pitchFamily="18" charset="0"/>
-              </a:rPr>
-              <a:t>Methods(CONT)</a:t>
+              <a:t>log4j - Logging Methods</a:t>
             </a:r>
             <a:r>
               <a:rPr lang="en-US" dirty="0"/>
@@ -5328,20 +5308,172 @@
           <a:bodyPr/>
           <a:lstStyle/>
           <a:p>
+            <a:pPr algn="just"/>
+            <a:r>
+              <a:rPr lang="en-US" dirty="0">
+                <a:latin typeface="Times New Roman" pitchFamily="18" charset="0"/>
+                <a:cs typeface="Times New Roman" pitchFamily="18" charset="0"/>
+              </a:rPr>
+              <a:t>Logger class provides a variety of methods to handle logging activities. The Logger class does not allow us to instantiate a new Logger instance but it provides two static methods for obtaining a Logger object −</a:t>
+            </a:r>
+          </a:p>
+          <a:p>
+            <a:pPr algn="just"/>
+            <a:r>
+              <a:rPr lang="en-US" b="1" dirty="0">
+                <a:latin typeface="Times New Roman" pitchFamily="18" charset="0"/>
+                <a:cs typeface="Times New Roman" pitchFamily="18" charset="0"/>
+              </a:rPr>
+              <a:t>public static Logger </a:t>
+            </a:r>
+            <a:r>
+              <a:rPr lang="en-US" b="1" dirty="0" err="1">
+                <a:latin typeface="Times New Roman" pitchFamily="18" charset="0"/>
+                <a:cs typeface="Times New Roman" pitchFamily="18" charset="0"/>
+              </a:rPr>
+              <a:t>getRootLogger</a:t>
+            </a:r>
+            <a:r>
+              <a:rPr lang="en-US" b="1" dirty="0">
+                <a:latin typeface="Times New Roman" pitchFamily="18" charset="0"/>
+                <a:cs typeface="Times New Roman" pitchFamily="18" charset="0"/>
+              </a:rPr>
+              <a:t>();</a:t>
+            </a:r>
+            <a:endParaRPr lang="en-US" dirty="0">
+              <a:latin typeface="Times New Roman" pitchFamily="18" charset="0"/>
+              <a:cs typeface="Times New Roman" pitchFamily="18" charset="0"/>
+            </a:endParaRPr>
+          </a:p>
+          <a:p>
+            <a:pPr algn="just"/>
+            <a:r>
+              <a:rPr lang="en-US" b="1" dirty="0">
+                <a:latin typeface="Times New Roman" pitchFamily="18" charset="0"/>
+                <a:cs typeface="Times New Roman" pitchFamily="18" charset="0"/>
+              </a:rPr>
+              <a:t>public static Logger </a:t>
+            </a:r>
+            <a:r>
+              <a:rPr lang="en-US" b="1" dirty="0" err="1">
+                <a:latin typeface="Times New Roman" pitchFamily="18" charset="0"/>
+                <a:cs typeface="Times New Roman" pitchFamily="18" charset="0"/>
+              </a:rPr>
+              <a:t>getLogger</a:t>
+            </a:r>
+            <a:r>
+              <a:rPr lang="en-US" b="1" dirty="0">
+                <a:latin typeface="Times New Roman" pitchFamily="18" charset="0"/>
+                <a:cs typeface="Times New Roman" pitchFamily="18" charset="0"/>
+              </a:rPr>
+              <a:t>(String name);</a:t>
+            </a:r>
+            <a:endParaRPr lang="en-US" dirty="0">
+              <a:latin typeface="Times New Roman" pitchFamily="18" charset="0"/>
+              <a:cs typeface="Times New Roman" pitchFamily="18" charset="0"/>
+            </a:endParaRPr>
+          </a:p>
+          <a:p>
             <a:pPr marL="0" indent="0">
               <a:buNone/>
             </a:pPr>
-            <a:r>
-              <a:rPr lang="en-US" dirty="0" smtClean="0"/>
-              <a:t>Example:</a:t>
-            </a:r>
+            <a:endParaRPr lang="en-US" dirty="0"/>
+          </a:p>
+        </p:txBody>
+      </p:sp>
+    </p:spTree>
+    <p:extLst>
+      <p:ext uri="{BB962C8B-B14F-4D97-AF65-F5344CB8AC3E}">
+        <p14:creationId xmlns:p14="http://schemas.microsoft.com/office/powerpoint/2010/main" val="285784702"/>
+      </p:ext>
+    </p:extLst>
+  </p:cSld>
+  <p:clrMapOvr>
+    <a:masterClrMapping/>
+  </p:clrMapOvr>
+  <p:timing>
+    <p:tnLst>
+      <p:par>
+        <p:cTn id="1" dur="indefinite" restart="never" nodeType="tmRoot"/>
+      </p:par>
+    </p:tnLst>
+  </p:timing>
+</p:sld>
+</file>
+
+<file path=ppt/slides/slide12.xml><?xml version="1.0" encoding="utf-8"?>
+<p:sld xmlns:a="http://schemas.openxmlformats.org/drawingml/2006/main" xmlns:r="http://schemas.openxmlformats.org/officeDocument/2006/relationships" xmlns:p="http://schemas.openxmlformats.org/presentationml/2006/main">
+  <p:cSld>
+    <p:spTree>
+      <p:nvGrpSpPr>
+        <p:cNvPr id="1" name=""/>
+        <p:cNvGrpSpPr/>
+        <p:nvPr/>
+      </p:nvGrpSpPr>
+      <p:grpSpPr>
+        <a:xfrm>
+          <a:off x="0" y="0"/>
+          <a:ext cx="0" cy="0"/>
+          <a:chOff x="0" y="0"/>
+          <a:chExt cx="0" cy="0"/>
+        </a:xfrm>
+      </p:grpSpPr>
+      <p:sp>
+        <p:nvSpPr>
+          <p:cNvPr id="2" name="Title 1"/>
+          <p:cNvSpPr>
+            <a:spLocks noGrp="1"/>
+          </p:cNvSpPr>
+          <p:nvPr>
+            <p:ph type="title"/>
+          </p:nvPr>
+        </p:nvSpPr>
+        <p:spPr/>
+        <p:txBody>
+          <a:bodyPr/>
+          <a:lstStyle/>
+          <a:p>
+            <a:pPr algn="ctr"/>
+            <a:r>
+              <a:rPr lang="en-US" dirty="0">
+                <a:latin typeface="Times New Roman" pitchFamily="18" charset="0"/>
+                <a:cs typeface="Times New Roman" pitchFamily="18" charset="0"/>
+              </a:rPr>
+              <a:t>log4j - Logging Methods</a:t>
+            </a:r>
+            <a:r>
+              <a:rPr lang="en-US" dirty="0"/>
+              <a:t/>
+            </a:r>
+            <a:br>
+              <a:rPr lang="en-US" dirty="0"/>
+            </a:br>
+            <a:endParaRPr lang="en-US" dirty="0"/>
+          </a:p>
+        </p:txBody>
+      </p:sp>
+      <p:sp>
+        <p:nvSpPr>
+          <p:cNvPr id="3" name="Content Placeholder 2"/>
+          <p:cNvSpPr>
+            <a:spLocks noGrp="1"/>
+          </p:cNvSpPr>
+          <p:nvPr>
+            <p:ph sz="quarter" idx="1"/>
+          </p:nvPr>
+        </p:nvSpPr>
+        <p:spPr/>
+        <p:txBody>
+          <a:bodyPr/>
+          <a:lstStyle/>
+          <a:p>
             <a:endParaRPr lang="en-US" dirty="0"/>
           </a:p>
         </p:txBody>
       </p:sp>
       <p:pic>
         <p:nvPicPr>
-          <p:cNvPr id="3074" name="Picture 2"/>
+          <p:cNvPr id="2050" name="Picture 2"/>
           <p:cNvPicPr>
             <a:picLocks noChangeAspect="1" noChangeArrowheads="1"/>
           </p:cNvPicPr>
@@ -5362,8 +5494,8 @@
         </p:blipFill>
         <p:spPr bwMode="auto">
           <a:xfrm>
-            <a:off x="685800" y="2238374"/>
-            <a:ext cx="5181600" cy="3400425"/>
+            <a:off x="609600" y="1676400"/>
+            <a:ext cx="7153275" cy="4581525"/>
           </a:xfrm>
           <a:prstGeom prst="rect">
             <a:avLst/>
@@ -5403,16 +5535,120 @@
           </a:extLst>
         </p:spPr>
       </p:pic>
+    </p:spTree>
+    <p:extLst>
+      <p:ext uri="{BB962C8B-B14F-4D97-AF65-F5344CB8AC3E}">
+        <p14:creationId xmlns:p14="http://schemas.microsoft.com/office/powerpoint/2010/main" val="429453428"/>
+      </p:ext>
+    </p:extLst>
+  </p:cSld>
+  <p:clrMapOvr>
+    <a:masterClrMapping/>
+  </p:clrMapOvr>
+  <p:timing>
+    <p:tnLst>
+      <p:par>
+        <p:cTn id="1" dur="indefinite" restart="never" nodeType="tmRoot"/>
+      </p:par>
+    </p:tnLst>
+  </p:timing>
+</p:sld>
+</file>
+
+<file path=ppt/slides/slide13.xml><?xml version="1.0" encoding="utf-8"?>
+<p:sld xmlns:a="http://schemas.openxmlformats.org/drawingml/2006/main" xmlns:r="http://schemas.openxmlformats.org/officeDocument/2006/relationships" xmlns:p="http://schemas.openxmlformats.org/presentationml/2006/main">
+  <p:cSld>
+    <p:spTree>
+      <p:nvGrpSpPr>
+        <p:cNvPr id="1" name=""/>
+        <p:cNvGrpSpPr/>
+        <p:nvPr/>
+      </p:nvGrpSpPr>
+      <p:grpSpPr>
+        <a:xfrm>
+          <a:off x="0" y="0"/>
+          <a:ext cx="0" cy="0"/>
+          <a:chOff x="0" y="0"/>
+          <a:chExt cx="0" cy="0"/>
+        </a:xfrm>
+      </p:grpSpPr>
+      <p:sp>
+        <p:nvSpPr>
+          <p:cNvPr id="2" name="Title 1"/>
+          <p:cNvSpPr>
+            <a:spLocks noGrp="1"/>
+          </p:cNvSpPr>
+          <p:nvPr>
+            <p:ph type="title"/>
+          </p:nvPr>
+        </p:nvSpPr>
+        <p:spPr/>
+        <p:txBody>
+          <a:bodyPr/>
+          <a:lstStyle/>
+          <a:p>
+            <a:pPr algn="ctr"/>
+            <a:r>
+              <a:rPr lang="en-US" dirty="0">
+                <a:latin typeface="Times New Roman" pitchFamily="18" charset="0"/>
+                <a:cs typeface="Times New Roman" pitchFamily="18" charset="0"/>
+              </a:rPr>
+              <a:t>log4j - Logging </a:t>
+            </a:r>
+            <a:r>
+              <a:rPr lang="en-US" dirty="0" smtClean="0">
+                <a:latin typeface="Times New Roman" pitchFamily="18" charset="0"/>
+                <a:cs typeface="Times New Roman" pitchFamily="18" charset="0"/>
+              </a:rPr>
+              <a:t>Methods(CONT)</a:t>
+            </a:r>
+            <a:r>
+              <a:rPr lang="en-US" dirty="0"/>
+              <a:t/>
+            </a:r>
+            <a:br>
+              <a:rPr lang="en-US" dirty="0"/>
+            </a:br>
+            <a:endParaRPr lang="en-US" dirty="0"/>
+          </a:p>
+        </p:txBody>
+      </p:sp>
+      <p:sp>
+        <p:nvSpPr>
+          <p:cNvPr id="3" name="Content Placeholder 2"/>
+          <p:cNvSpPr>
+            <a:spLocks noGrp="1"/>
+          </p:cNvSpPr>
+          <p:nvPr>
+            <p:ph sz="quarter" idx="1"/>
+          </p:nvPr>
+        </p:nvSpPr>
+        <p:spPr/>
+        <p:txBody>
+          <a:bodyPr/>
+          <a:lstStyle/>
+          <a:p>
+            <a:pPr marL="0" indent="0">
+              <a:buNone/>
+            </a:pPr>
+            <a:r>
+              <a:rPr lang="en-US" dirty="0" smtClean="0"/>
+              <a:t>Example:</a:t>
+            </a:r>
+            <a:endParaRPr lang="en-US" dirty="0"/>
+          </a:p>
+        </p:txBody>
+      </p:sp>
       <p:pic>
         <p:nvPicPr>
-          <p:cNvPr id="3075" name="Picture 3"/>
+          <p:cNvPr id="3074" name="Picture 2"/>
           <p:cNvPicPr>
             <a:picLocks noChangeAspect="1" noChangeArrowheads="1"/>
           </p:cNvPicPr>
           <p:nvPr/>
         </p:nvPicPr>
         <p:blipFill>
-          <a:blip r:embed="rId3">
+          <a:blip r:embed="rId2">
             <a:extLst>
               <a:ext uri="{28A0092B-C50C-407E-A947-70E740481C1C}">
                 <a14:useLocalDpi xmlns:a14="http://schemas.microsoft.com/office/drawing/2010/main" val="0"/>
@@ -5426,8 +5662,8 @@
         </p:blipFill>
         <p:spPr bwMode="auto">
           <a:xfrm>
-            <a:off x="6172200" y="3276600"/>
-            <a:ext cx="2286000" cy="1863745"/>
+            <a:off x="685800" y="2238374"/>
+            <a:ext cx="5181600" cy="3400425"/>
           </a:xfrm>
           <a:prstGeom prst="rect">
             <a:avLst/>
@@ -5467,287 +5703,16 @@
           </a:extLst>
         </p:spPr>
       </p:pic>
-    </p:spTree>
-    <p:extLst>
-      <p:ext uri="{BB962C8B-B14F-4D97-AF65-F5344CB8AC3E}">
-        <p14:creationId xmlns:p14="http://schemas.microsoft.com/office/powerpoint/2010/main" val="1245053060"/>
-      </p:ext>
-    </p:extLst>
-  </p:cSld>
-  <p:clrMapOvr>
-    <a:masterClrMapping/>
-  </p:clrMapOvr>
-  <p:timing>
-    <p:tnLst>
-      <p:par>
-        <p:cTn id="1" dur="indefinite" restart="never" nodeType="tmRoot"/>
-      </p:par>
-    </p:tnLst>
-  </p:timing>
-</p:sld>
-</file>
-
-<file path=ppt/slides/slide12.xml><?xml version="1.0" encoding="utf-8"?>
-<p:sld xmlns:a="http://schemas.openxmlformats.org/drawingml/2006/main" xmlns:r="http://schemas.openxmlformats.org/officeDocument/2006/relationships" xmlns:p="http://schemas.openxmlformats.org/presentationml/2006/main">
-  <p:cSld>
-    <p:spTree>
-      <p:nvGrpSpPr>
-        <p:cNvPr id="1" name=""/>
-        <p:cNvGrpSpPr/>
-        <p:nvPr/>
-      </p:nvGrpSpPr>
-      <p:grpSpPr>
-        <a:xfrm>
-          <a:off x="0" y="0"/>
-          <a:ext cx="0" cy="0"/>
-          <a:chOff x="0" y="0"/>
-          <a:chExt cx="0" cy="0"/>
-        </a:xfrm>
-      </p:grpSpPr>
-      <p:sp>
-        <p:nvSpPr>
-          <p:cNvPr id="2" name="Title 1"/>
-          <p:cNvSpPr>
-            <a:spLocks noGrp="1"/>
-          </p:cNvSpPr>
-          <p:nvPr>
-            <p:ph type="title"/>
-          </p:nvPr>
-        </p:nvSpPr>
-        <p:spPr/>
-        <p:txBody>
-          <a:bodyPr/>
-          <a:lstStyle/>
-          <a:p>
-            <a:pPr algn="ctr"/>
-            <a:r>
-              <a:rPr lang="en-US" dirty="0" smtClean="0"/>
-              <a:t>Configuration </a:t>
-            </a:r>
-            <a:endParaRPr lang="en-US" dirty="0"/>
-          </a:p>
-        </p:txBody>
-      </p:sp>
-      <p:sp>
-        <p:nvSpPr>
-          <p:cNvPr id="3" name="Content Placeholder 2"/>
-          <p:cNvSpPr>
-            <a:spLocks noGrp="1"/>
-          </p:cNvSpPr>
-          <p:nvPr>
-            <p:ph sz="quarter" idx="1"/>
-          </p:nvPr>
-        </p:nvSpPr>
-        <p:spPr/>
-        <p:txBody>
-          <a:bodyPr/>
-          <a:lstStyle/>
-          <a:p>
-            <a:pPr algn="just"/>
-            <a:r>
-              <a:rPr lang="en-US" dirty="0">
-                <a:latin typeface="Times New Roman" pitchFamily="18" charset="0"/>
-                <a:cs typeface="Times New Roman" pitchFamily="18" charset="0"/>
-              </a:rPr>
-              <a:t>The log4j.properties file is a log4j configuration file which keeps properties in key-value pairs. By default, the </a:t>
-            </a:r>
-            <a:r>
-              <a:rPr lang="en-US" dirty="0" err="1">
-                <a:latin typeface="Times New Roman" pitchFamily="18" charset="0"/>
-                <a:cs typeface="Times New Roman" pitchFamily="18" charset="0"/>
-              </a:rPr>
-              <a:t>LogManager</a:t>
-            </a:r>
-            <a:r>
-              <a:rPr lang="en-US" dirty="0">
-                <a:latin typeface="Times New Roman" pitchFamily="18" charset="0"/>
-                <a:cs typeface="Times New Roman" pitchFamily="18" charset="0"/>
-              </a:rPr>
-              <a:t> looks for a file namedlog4j.properties in the CLASSPATH</a:t>
-            </a:r>
-            <a:r>
-              <a:rPr lang="en-US" dirty="0" smtClean="0">
-                <a:latin typeface="Times New Roman" pitchFamily="18" charset="0"/>
-                <a:cs typeface="Times New Roman" pitchFamily="18" charset="0"/>
-              </a:rPr>
-              <a:t>.</a:t>
-            </a:r>
-          </a:p>
-          <a:p>
-            <a:r>
-              <a:rPr lang="en-US" dirty="0"/>
-              <a:t>The level of the root logger is defined as </a:t>
-            </a:r>
-            <a:r>
-              <a:rPr lang="en-US" b="1" dirty="0"/>
-              <a:t>DEBUG</a:t>
-            </a:r>
-            <a:r>
-              <a:rPr lang="en-US" dirty="0"/>
-              <a:t>. The </a:t>
-            </a:r>
-            <a:r>
-              <a:rPr lang="en-US" b="1" dirty="0"/>
-              <a:t>DEBUG</a:t>
-            </a:r>
-            <a:r>
-              <a:rPr lang="en-US" dirty="0"/>
-              <a:t> attaches the </a:t>
-            </a:r>
-            <a:r>
-              <a:rPr lang="en-US" dirty="0" err="1"/>
-              <a:t>appender</a:t>
-            </a:r>
-            <a:r>
-              <a:rPr lang="en-US" dirty="0"/>
-              <a:t> named X to it.</a:t>
-            </a:r>
-          </a:p>
-          <a:p>
-            <a:r>
-              <a:rPr lang="en-US" dirty="0"/>
-              <a:t>Set the </a:t>
-            </a:r>
-            <a:r>
-              <a:rPr lang="en-US" dirty="0" err="1"/>
-              <a:t>appender</a:t>
-            </a:r>
-            <a:r>
-              <a:rPr lang="en-US" dirty="0"/>
-              <a:t> named X to be a valid </a:t>
-            </a:r>
-            <a:r>
-              <a:rPr lang="en-US" dirty="0" err="1"/>
-              <a:t>appender</a:t>
-            </a:r>
-            <a:r>
-              <a:rPr lang="en-US" dirty="0"/>
-              <a:t>.</a:t>
-            </a:r>
-          </a:p>
-          <a:p>
-            <a:r>
-              <a:rPr lang="en-US" dirty="0"/>
-              <a:t>Set the layout for the </a:t>
-            </a:r>
-            <a:r>
-              <a:rPr lang="en-US" dirty="0" err="1"/>
-              <a:t>appender</a:t>
-            </a:r>
-            <a:r>
-              <a:rPr lang="en-US" dirty="0"/>
-              <a:t> X.</a:t>
-            </a:r>
-          </a:p>
-          <a:p>
-            <a:pPr algn="just"/>
-            <a:endParaRPr lang="en-US" dirty="0">
-              <a:latin typeface="Times New Roman" pitchFamily="18" charset="0"/>
-              <a:cs typeface="Times New Roman" pitchFamily="18" charset="0"/>
-            </a:endParaRPr>
-          </a:p>
-        </p:txBody>
-      </p:sp>
-    </p:spTree>
-    <p:extLst>
-      <p:ext uri="{BB962C8B-B14F-4D97-AF65-F5344CB8AC3E}">
-        <p14:creationId xmlns:p14="http://schemas.microsoft.com/office/powerpoint/2010/main" val="2000453360"/>
-      </p:ext>
-    </p:extLst>
-  </p:cSld>
-  <p:clrMapOvr>
-    <a:masterClrMapping/>
-  </p:clrMapOvr>
-  <p:timing>
-    <p:tnLst>
-      <p:par>
-        <p:cTn id="1" dur="indefinite" restart="never" nodeType="tmRoot"/>
-      </p:par>
-    </p:tnLst>
-  </p:timing>
-</p:sld>
-</file>
-
-<file path=ppt/slides/slide13.xml><?xml version="1.0" encoding="utf-8"?>
-<p:sld xmlns:a="http://schemas.openxmlformats.org/drawingml/2006/main" xmlns:r="http://schemas.openxmlformats.org/officeDocument/2006/relationships" xmlns:p="http://schemas.openxmlformats.org/presentationml/2006/main">
-  <p:cSld>
-    <p:spTree>
-      <p:nvGrpSpPr>
-        <p:cNvPr id="1" name=""/>
-        <p:cNvGrpSpPr/>
-        <p:nvPr/>
-      </p:nvGrpSpPr>
-      <p:grpSpPr>
-        <a:xfrm>
-          <a:off x="0" y="0"/>
-          <a:ext cx="0" cy="0"/>
-          <a:chOff x="0" y="0"/>
-          <a:chExt cx="0" cy="0"/>
-        </a:xfrm>
-      </p:grpSpPr>
-      <p:sp>
-        <p:nvSpPr>
-          <p:cNvPr id="2" name="Title 1"/>
-          <p:cNvSpPr>
-            <a:spLocks noGrp="1"/>
-          </p:cNvSpPr>
-          <p:nvPr>
-            <p:ph type="title"/>
-          </p:nvPr>
-        </p:nvSpPr>
-        <p:spPr/>
-        <p:txBody>
-          <a:bodyPr/>
-          <a:lstStyle/>
-          <a:p>
-            <a:pPr algn="ctr"/>
-            <a:r>
-              <a:rPr lang="en-US" dirty="0" smtClean="0">
-                <a:latin typeface="Times New Roman" pitchFamily="18" charset="0"/>
-                <a:cs typeface="Times New Roman" pitchFamily="18" charset="0"/>
-              </a:rPr>
-              <a:t>Configuration(CONT)</a:t>
-            </a:r>
-            <a:endParaRPr lang="en-US" dirty="0">
-              <a:latin typeface="Times New Roman" pitchFamily="18" charset="0"/>
-              <a:cs typeface="Times New Roman" pitchFamily="18" charset="0"/>
-            </a:endParaRPr>
-          </a:p>
-        </p:txBody>
-      </p:sp>
-      <p:sp>
-        <p:nvSpPr>
-          <p:cNvPr id="3" name="Content Placeholder 2"/>
-          <p:cNvSpPr>
-            <a:spLocks noGrp="1"/>
-          </p:cNvSpPr>
-          <p:nvPr>
-            <p:ph sz="quarter" idx="1"/>
-          </p:nvPr>
-        </p:nvSpPr>
-        <p:spPr/>
-        <p:txBody>
-          <a:bodyPr/>
-          <a:lstStyle/>
-          <a:p>
-            <a:r>
-              <a:rPr lang="en-US" dirty="0" smtClean="0"/>
-              <a:t>Log4j.properties</a:t>
-            </a:r>
-            <a:endParaRPr lang="en-US" dirty="0"/>
-          </a:p>
-        </p:txBody>
-      </p:sp>
       <p:pic>
         <p:nvPicPr>
-          <p:cNvPr id="4098" name="Picture 2"/>
+          <p:cNvPr id="3075" name="Picture 3"/>
           <p:cNvPicPr>
             <a:picLocks noChangeAspect="1" noChangeArrowheads="1"/>
           </p:cNvPicPr>
           <p:nvPr/>
         </p:nvPicPr>
         <p:blipFill>
-          <a:blip r:embed="rId2">
+          <a:blip r:embed="rId3">
             <a:extLst>
               <a:ext uri="{28A0092B-C50C-407E-A947-70E740481C1C}">
                 <a14:useLocalDpi xmlns:a14="http://schemas.microsoft.com/office/drawing/2010/main" val="0"/>
@@ -5761,8 +5726,8 @@
         </p:blipFill>
         <p:spPr bwMode="auto">
           <a:xfrm>
-            <a:off x="1066800" y="2438400"/>
-            <a:ext cx="5867399" cy="3200400"/>
+            <a:off x="6172200" y="3276600"/>
+            <a:ext cx="2286000" cy="1863745"/>
           </a:xfrm>
           <a:prstGeom prst="rect">
             <a:avLst/>
@@ -5805,7 +5770,7 @@
     </p:spTree>
     <p:extLst>
       <p:ext uri="{BB962C8B-B14F-4D97-AF65-F5344CB8AC3E}">
-        <p14:creationId xmlns:p14="http://schemas.microsoft.com/office/powerpoint/2010/main" val="820744037"/>
+        <p14:creationId xmlns:p14="http://schemas.microsoft.com/office/powerpoint/2010/main" val="1245053060"/>
       </p:ext>
     </p:extLst>
   </p:cSld>
@@ -5856,12 +5821,197 @@
           <a:p>
             <a:pPr algn="ctr"/>
             <a:r>
+              <a:rPr lang="en-US" dirty="0" smtClean="0"/>
+              <a:t>Configuration </a:t>
+            </a:r>
+            <a:endParaRPr lang="en-US" dirty="0"/>
+          </a:p>
+        </p:txBody>
+      </p:sp>
+      <p:sp>
+        <p:nvSpPr>
+          <p:cNvPr id="3" name="Content Placeholder 2"/>
+          <p:cNvSpPr>
+            <a:spLocks noGrp="1"/>
+          </p:cNvSpPr>
+          <p:nvPr>
+            <p:ph sz="quarter" idx="1"/>
+          </p:nvPr>
+        </p:nvSpPr>
+        <p:spPr/>
+        <p:txBody>
+          <a:bodyPr/>
+          <a:lstStyle/>
+          <a:p>
+            <a:pPr algn="just"/>
+            <a:r>
               <a:rPr lang="en-US" dirty="0">
                 <a:latin typeface="Times New Roman" pitchFamily="18" charset="0"/>
                 <a:cs typeface="Times New Roman" pitchFamily="18" charset="0"/>
               </a:rPr>
+              <a:t>The log4j.properties file is a log4j configuration file which keeps properties in key-value pairs. By default, the </a:t>
+            </a:r>
+            <a:r>
+              <a:rPr lang="en-US" dirty="0" err="1">
+                <a:latin typeface="Times New Roman" pitchFamily="18" charset="0"/>
+                <a:cs typeface="Times New Roman" pitchFamily="18" charset="0"/>
+              </a:rPr>
+              <a:t>LogManager</a:t>
+            </a:r>
+            <a:r>
+              <a:rPr lang="en-US" dirty="0">
+                <a:latin typeface="Times New Roman" pitchFamily="18" charset="0"/>
+                <a:cs typeface="Times New Roman" pitchFamily="18" charset="0"/>
+              </a:rPr>
+              <a:t> looks for a file namedlog4j.properties in the CLASSPATH</a:t>
+            </a:r>
+            <a:r>
+              <a:rPr lang="en-US" dirty="0" smtClean="0">
+                <a:latin typeface="Times New Roman" pitchFamily="18" charset="0"/>
+                <a:cs typeface="Times New Roman" pitchFamily="18" charset="0"/>
+              </a:rPr>
+              <a:t>.</a:t>
+            </a:r>
+          </a:p>
+          <a:p>
+            <a:r>
+              <a:rPr lang="en-US" dirty="0"/>
+              <a:t>The level of the root logger is defined as </a:t>
+            </a:r>
+            <a:r>
+              <a:rPr lang="en-US" b="1" dirty="0"/>
+              <a:t>DEBUG</a:t>
+            </a:r>
+            <a:r>
+              <a:rPr lang="en-US" dirty="0"/>
+              <a:t>. The </a:t>
+            </a:r>
+            <a:r>
+              <a:rPr lang="en-US" b="1" dirty="0"/>
+              <a:t>DEBUG</a:t>
+            </a:r>
+            <a:r>
+              <a:rPr lang="en-US" dirty="0"/>
+              <a:t> attaches the </a:t>
+            </a:r>
+            <a:r>
+              <a:rPr lang="en-US" dirty="0" err="1"/>
+              <a:t>appender</a:t>
+            </a:r>
+            <a:r>
+              <a:rPr lang="en-US" dirty="0"/>
+              <a:t> named X to it.</a:t>
+            </a:r>
+          </a:p>
+          <a:p>
+            <a:r>
+              <a:rPr lang="en-US" dirty="0"/>
+              <a:t>Set the </a:t>
+            </a:r>
+            <a:r>
+              <a:rPr lang="en-US" dirty="0" err="1"/>
+              <a:t>appender</a:t>
+            </a:r>
+            <a:r>
+              <a:rPr lang="en-US" dirty="0"/>
+              <a:t> named X to be a valid </a:t>
+            </a:r>
+            <a:r>
+              <a:rPr lang="en-US" dirty="0" err="1"/>
+              <a:t>appender</a:t>
+            </a:r>
+            <a:r>
+              <a:rPr lang="en-US" dirty="0"/>
+              <a:t>.</a:t>
+            </a:r>
+          </a:p>
+          <a:p>
+            <a:r>
+              <a:rPr lang="en-US" dirty="0"/>
+              <a:t>Set the layout for the </a:t>
+            </a:r>
+            <a:r>
+              <a:rPr lang="en-US" dirty="0" err="1"/>
+              <a:t>appender</a:t>
+            </a:r>
+            <a:r>
+              <a:rPr lang="en-US" dirty="0"/>
+              <a:t> X.</a:t>
+            </a:r>
+          </a:p>
+          <a:p>
+            <a:pPr algn="just"/>
+            <a:endParaRPr lang="en-US" dirty="0">
+              <a:latin typeface="Times New Roman" pitchFamily="18" charset="0"/>
+              <a:cs typeface="Times New Roman" pitchFamily="18" charset="0"/>
+            </a:endParaRPr>
+          </a:p>
+        </p:txBody>
+      </p:sp>
+    </p:spTree>
+    <p:extLst>
+      <p:ext uri="{BB962C8B-B14F-4D97-AF65-F5344CB8AC3E}">
+        <p14:creationId xmlns:p14="http://schemas.microsoft.com/office/powerpoint/2010/main" val="2000453360"/>
+      </p:ext>
+    </p:extLst>
+  </p:cSld>
+  <p:clrMapOvr>
+    <a:masterClrMapping/>
+  </p:clrMapOvr>
+  <p:timing>
+    <p:tnLst>
+      <p:par>
+        <p:cTn id="1" dur="indefinite" restart="never" nodeType="tmRoot"/>
+      </p:par>
+    </p:tnLst>
+  </p:timing>
+</p:sld>
+</file>
+
+<file path=ppt/slides/slide15.xml><?xml version="1.0" encoding="utf-8"?>
+<p:sld xmlns:a="http://schemas.openxmlformats.org/drawingml/2006/main" xmlns:r="http://schemas.openxmlformats.org/officeDocument/2006/relationships" xmlns:p="http://schemas.openxmlformats.org/presentationml/2006/main">
+  <p:cSld>
+    <p:spTree>
+      <p:nvGrpSpPr>
+        <p:cNvPr id="1" name=""/>
+        <p:cNvGrpSpPr/>
+        <p:nvPr/>
+      </p:nvGrpSpPr>
+      <p:grpSpPr>
+        <a:xfrm>
+          <a:off x="0" y="0"/>
+          <a:ext cx="0" cy="0"/>
+          <a:chOff x="0" y="0"/>
+          <a:chExt cx="0" cy="0"/>
+        </a:xfrm>
+      </p:grpSpPr>
+      <p:sp>
+        <p:nvSpPr>
+          <p:cNvPr id="2" name="Title 1"/>
+          <p:cNvSpPr>
+            <a:spLocks noGrp="1"/>
+          </p:cNvSpPr>
+          <p:nvPr>
+            <p:ph type="title"/>
+          </p:nvPr>
+        </p:nvSpPr>
+        <p:spPr/>
+        <p:txBody>
+          <a:bodyPr/>
+          <a:lstStyle/>
+          <a:p>
+            <a:pPr algn="ctr"/>
+            <a:r>
+              <a:rPr lang="en-US" dirty="0" smtClean="0">
+                <a:latin typeface="Times New Roman" pitchFamily="18" charset="0"/>
+                <a:cs typeface="Times New Roman" pitchFamily="18" charset="0"/>
+              </a:rPr>
               <a:t>Configuration(CONT)</a:t>
             </a:r>
+            <a:endParaRPr lang="en-US" dirty="0">
+              <a:latin typeface="Times New Roman" pitchFamily="18" charset="0"/>
+              <a:cs typeface="Times New Roman" pitchFamily="18" charset="0"/>
+            </a:endParaRPr>
           </a:p>
         </p:txBody>
       </p:sp>
@@ -5882,20 +6032,15 @@
           <a:p>
             <a:r>
               <a:rPr lang="en-US" dirty="0" smtClean="0"/>
-              <a:t>Example: log to file</a:t>
-            </a:r>
-          </a:p>
-          <a:p>
-            <a:pPr marL="0" indent="0">
-              <a:buNone/>
-            </a:pPr>
+              <a:t>Log4j.properties</a:t>
+            </a:r>
             <a:endParaRPr lang="en-US" dirty="0"/>
           </a:p>
         </p:txBody>
       </p:sp>
       <p:pic>
         <p:nvPicPr>
-          <p:cNvPr id="1026" name="Picture 2"/>
+          <p:cNvPr id="4098" name="Picture 2"/>
           <p:cNvPicPr>
             <a:picLocks noChangeAspect="1" noChangeArrowheads="1"/>
           </p:cNvPicPr>
@@ -5916,8 +6061,8 @@
         </p:blipFill>
         <p:spPr bwMode="auto">
           <a:xfrm>
-            <a:off x="1676400" y="2286000"/>
-            <a:ext cx="4638675" cy="2714625"/>
+            <a:off x="1066800" y="2438400"/>
+            <a:ext cx="5867399" cy="3200400"/>
           </a:xfrm>
           <a:prstGeom prst="rect">
             <a:avLst/>
@@ -5960,7 +6105,7 @@
     </p:spTree>
     <p:extLst>
       <p:ext uri="{BB962C8B-B14F-4D97-AF65-F5344CB8AC3E}">
-        <p14:creationId xmlns:p14="http://schemas.microsoft.com/office/powerpoint/2010/main" val="939591220"/>
+        <p14:creationId xmlns:p14="http://schemas.microsoft.com/office/powerpoint/2010/main" val="820744037"/>
       </p:ext>
     </p:extLst>
   </p:cSld>
@@ -5977,7 +6122,7 @@
 </p:sld>
 </file>
 
-<file path=ppt/slides/slide15.xml><?xml version="1.0" encoding="utf-8"?>
+<file path=ppt/slides/slide16.xml><?xml version="1.0" encoding="utf-8"?>
 <p:sld xmlns:a="http://schemas.openxmlformats.org/drawingml/2006/main" xmlns:r="http://schemas.openxmlformats.org/officeDocument/2006/relationships" xmlns:p="http://schemas.openxmlformats.org/presentationml/2006/main">
   <p:cSld>
     <p:spTree>
@@ -6017,7 +6162,6 @@
               </a:rPr>
               <a:t>Configuration(CONT)</a:t>
             </a:r>
-            <a:endParaRPr lang="en-US" dirty="0"/>
           </a:p>
         </p:txBody>
       </p:sp>
@@ -6035,36 +6179,23 @@
         <p:txBody>
           <a:bodyPr/>
           <a:lstStyle/>
+          <a:p>
+            <a:r>
+              <a:rPr lang="en-US" dirty="0" smtClean="0"/>
+              <a:t>Example: log to file</a:t>
+            </a:r>
+          </a:p>
           <a:p>
             <a:pPr marL="0" indent="0">
               <a:buNone/>
             </a:pPr>
-            <a:r>
-              <a:rPr lang="en-US" dirty="0" smtClean="0">
-                <a:latin typeface="Times New Roman" pitchFamily="18" charset="0"/>
-                <a:cs typeface="Times New Roman" pitchFamily="18" charset="0"/>
-              </a:rPr>
-              <a:t>Examp</a:t>
-            </a:r>
-            <a:r>
-              <a:rPr lang="en-US" dirty="0" smtClean="0">
-                <a:latin typeface="Times New Roman" pitchFamily="18" charset="0"/>
-                <a:cs typeface="Times New Roman" pitchFamily="18" charset="0"/>
-              </a:rPr>
-              <a:t>le: log to console</a:t>
-            </a:r>
-          </a:p>
-          <a:p>
-            <a:pPr marL="0" indent="0">
-              <a:buNone/>
-            </a:pPr>
-            <a:endParaRPr lang="en-US" dirty="0" smtClean="0"/>
+            <a:endParaRPr lang="en-US" dirty="0"/>
           </a:p>
         </p:txBody>
       </p:sp>
       <p:pic>
         <p:nvPicPr>
-          <p:cNvPr id="2050" name="Picture 2"/>
+          <p:cNvPr id="1026" name="Picture 2"/>
           <p:cNvPicPr>
             <a:picLocks noChangeAspect="1" noChangeArrowheads="1"/>
           </p:cNvPicPr>
@@ -6085,8 +6216,8 @@
         </p:blipFill>
         <p:spPr bwMode="auto">
           <a:xfrm>
-            <a:off x="1231592" y="2209800"/>
-            <a:ext cx="5131478" cy="1121453"/>
+            <a:off x="1676400" y="2286000"/>
+            <a:ext cx="4638675" cy="2714625"/>
           </a:xfrm>
           <a:prstGeom prst="rect">
             <a:avLst/>
@@ -6126,16 +6257,114 @@
           </a:extLst>
         </p:spPr>
       </p:pic>
+    </p:spTree>
+    <p:extLst>
+      <p:ext uri="{BB962C8B-B14F-4D97-AF65-F5344CB8AC3E}">
+        <p14:creationId xmlns:p14="http://schemas.microsoft.com/office/powerpoint/2010/main" val="939591220"/>
+      </p:ext>
+    </p:extLst>
+  </p:cSld>
+  <p:clrMapOvr>
+    <a:masterClrMapping/>
+  </p:clrMapOvr>
+  <p:timing>
+    <p:tnLst>
+      <p:par>
+        <p:cTn id="1" dur="indefinite" restart="never" nodeType="tmRoot"/>
+      </p:par>
+    </p:tnLst>
+  </p:timing>
+</p:sld>
+</file>
+
+<file path=ppt/slides/slide17.xml><?xml version="1.0" encoding="utf-8"?>
+<p:sld xmlns:a="http://schemas.openxmlformats.org/drawingml/2006/main" xmlns:r="http://schemas.openxmlformats.org/officeDocument/2006/relationships" xmlns:p="http://schemas.openxmlformats.org/presentationml/2006/main">
+  <p:cSld>
+    <p:spTree>
+      <p:nvGrpSpPr>
+        <p:cNvPr id="1" name=""/>
+        <p:cNvGrpSpPr/>
+        <p:nvPr/>
+      </p:nvGrpSpPr>
+      <p:grpSpPr>
+        <a:xfrm>
+          <a:off x="0" y="0"/>
+          <a:ext cx="0" cy="0"/>
+          <a:chOff x="0" y="0"/>
+          <a:chExt cx="0" cy="0"/>
+        </a:xfrm>
+      </p:grpSpPr>
+      <p:sp>
+        <p:nvSpPr>
+          <p:cNvPr id="2" name="Title 1"/>
+          <p:cNvSpPr>
+            <a:spLocks noGrp="1"/>
+          </p:cNvSpPr>
+          <p:nvPr>
+            <p:ph type="title"/>
+          </p:nvPr>
+        </p:nvSpPr>
+        <p:spPr/>
+        <p:txBody>
+          <a:bodyPr/>
+          <a:lstStyle/>
+          <a:p>
+            <a:pPr algn="ctr"/>
+            <a:r>
+              <a:rPr lang="en-US" dirty="0">
+                <a:latin typeface="Times New Roman" pitchFamily="18" charset="0"/>
+                <a:cs typeface="Times New Roman" pitchFamily="18" charset="0"/>
+              </a:rPr>
+              <a:t>Configuration(CONT)</a:t>
+            </a:r>
+            <a:endParaRPr lang="en-US" dirty="0"/>
+          </a:p>
+        </p:txBody>
+      </p:sp>
+      <p:sp>
+        <p:nvSpPr>
+          <p:cNvPr id="3" name="Content Placeholder 2"/>
+          <p:cNvSpPr>
+            <a:spLocks noGrp="1"/>
+          </p:cNvSpPr>
+          <p:nvPr>
+            <p:ph sz="quarter" idx="1"/>
+          </p:nvPr>
+        </p:nvSpPr>
+        <p:spPr/>
+        <p:txBody>
+          <a:bodyPr/>
+          <a:lstStyle/>
+          <a:p>
+            <a:pPr marL="0" indent="0">
+              <a:buNone/>
+            </a:pPr>
+            <a:r>
+              <a:rPr lang="en-US" dirty="0" smtClean="0">
+                <a:latin typeface="Times New Roman" pitchFamily="18" charset="0"/>
+                <a:cs typeface="Times New Roman" pitchFamily="18" charset="0"/>
+              </a:rPr>
+              <a:t>Example: log to console</a:t>
+            </a:r>
+          </a:p>
+          <a:p>
+            <a:pPr marL="0" indent="0">
+              <a:buNone/>
+            </a:pPr>
+            <a:endParaRPr lang="en-US" dirty="0" smtClean="0"/>
+          </a:p>
+        </p:txBody>
+      </p:sp>
       <p:pic>
         <p:nvPicPr>
-          <p:cNvPr id="2051" name="Picture 3"/>
+          <p:cNvPr id="2050" name="Picture 2"/>
           <p:cNvPicPr>
             <a:picLocks noChangeAspect="1" noChangeArrowheads="1"/>
           </p:cNvPicPr>
           <p:nvPr/>
         </p:nvPicPr>
         <p:blipFill>
-          <a:blip r:embed="rId3">
+          <a:blip r:embed="rId2">
             <a:extLst>
               <a:ext uri="{28A0092B-C50C-407E-A947-70E740481C1C}">
                 <a14:useLocalDpi xmlns:a14="http://schemas.microsoft.com/office/drawing/2010/main" val="0"/>
@@ -6149,8 +6378,8 @@
         </p:blipFill>
         <p:spPr bwMode="auto">
           <a:xfrm>
-            <a:off x="1172407" y="4118499"/>
-            <a:ext cx="6781800" cy="1181100"/>
+            <a:off x="1231592" y="2209800"/>
+            <a:ext cx="5131478" cy="1121453"/>
           </a:xfrm>
           <a:prstGeom prst="rect">
             <a:avLst/>
@@ -6190,146 +6419,16 @@
           </a:extLst>
         </p:spPr>
       </p:pic>
-      <p:sp>
-        <p:nvSpPr>
-          <p:cNvPr id="4" name="TextBox 3"/>
-          <p:cNvSpPr txBox="1"/>
-          <p:nvPr/>
-        </p:nvSpPr>
-        <p:spPr>
-          <a:xfrm>
-            <a:off x="533400" y="3521476"/>
-            <a:ext cx="3810000" cy="461665"/>
-          </a:xfrm>
-          <a:prstGeom prst="rect">
-            <a:avLst/>
-          </a:prstGeom>
-          <a:noFill/>
-        </p:spPr>
-        <p:txBody>
-          <a:bodyPr wrap="square" rtlCol="0">
-            <a:spAutoFit/>
-          </a:bodyPr>
-          <a:lstStyle/>
-          <a:p>
-            <a:r>
-              <a:rPr lang="en-US" sz="2400" dirty="0" smtClean="0">
-                <a:latin typeface="Times New Roman" pitchFamily="18" charset="0"/>
-                <a:cs typeface="Times New Roman" pitchFamily="18" charset="0"/>
-              </a:rPr>
-              <a:t>Example: log to database</a:t>
-            </a:r>
-            <a:endParaRPr lang="en-US" sz="2400" dirty="0">
-              <a:latin typeface="Times New Roman" pitchFamily="18" charset="0"/>
-              <a:cs typeface="Times New Roman" pitchFamily="18" charset="0"/>
-            </a:endParaRPr>
-          </a:p>
-        </p:txBody>
-      </p:sp>
-    </p:spTree>
-    <p:extLst>
-      <p:ext uri="{BB962C8B-B14F-4D97-AF65-F5344CB8AC3E}">
-        <p14:creationId xmlns:p14="http://schemas.microsoft.com/office/powerpoint/2010/main" val="2461896887"/>
-      </p:ext>
-    </p:extLst>
-  </p:cSld>
-  <p:clrMapOvr>
-    <a:masterClrMapping/>
-  </p:clrMapOvr>
-</p:sld>
-</file>
-
-<file path=ppt/slides/slide16.xml><?xml version="1.0" encoding="utf-8"?>
-<p:sld xmlns:a="http://schemas.openxmlformats.org/drawingml/2006/main" xmlns:r="http://schemas.openxmlformats.org/officeDocument/2006/relationships" xmlns:p="http://schemas.openxmlformats.org/presentationml/2006/main">
-  <p:cSld>
-    <p:spTree>
-      <p:nvGrpSpPr>
-        <p:cNvPr id="1" name=""/>
-        <p:cNvGrpSpPr/>
-        <p:nvPr/>
-      </p:nvGrpSpPr>
-      <p:grpSpPr>
-        <a:xfrm>
-          <a:off x="0" y="0"/>
-          <a:ext cx="0" cy="0"/>
-          <a:chOff x="0" y="0"/>
-          <a:chExt cx="0" cy="0"/>
-        </a:xfrm>
-      </p:grpSpPr>
-      <p:sp>
-        <p:nvSpPr>
-          <p:cNvPr id="2" name="Title 1"/>
-          <p:cNvSpPr>
-            <a:spLocks noGrp="1"/>
-          </p:cNvSpPr>
-          <p:nvPr>
-            <p:ph type="title"/>
-          </p:nvPr>
-        </p:nvSpPr>
-        <p:spPr/>
-        <p:txBody>
-          <a:bodyPr/>
-          <a:lstStyle/>
-          <a:p>
-            <a:pPr algn="ctr"/>
-            <a:r>
-              <a:rPr lang="en-US" dirty="0" smtClean="0">
-                <a:latin typeface="Times New Roman" pitchFamily="18" charset="0"/>
-                <a:cs typeface="Times New Roman" pitchFamily="18" charset="0"/>
-              </a:rPr>
-              <a:t>IMPLEMENT ON NETBEANS</a:t>
-            </a:r>
-            <a:endParaRPr lang="en-US" dirty="0">
-              <a:latin typeface="Times New Roman" pitchFamily="18" charset="0"/>
-              <a:cs typeface="Times New Roman" pitchFamily="18" charset="0"/>
-            </a:endParaRPr>
-          </a:p>
-        </p:txBody>
-      </p:sp>
-      <p:sp>
-        <p:nvSpPr>
-          <p:cNvPr id="3" name="Content Placeholder 2"/>
-          <p:cNvSpPr>
-            <a:spLocks noGrp="1"/>
-          </p:cNvSpPr>
-          <p:nvPr>
-            <p:ph sz="quarter" idx="1"/>
-          </p:nvPr>
-        </p:nvSpPr>
-        <p:spPr/>
-        <p:txBody>
-          <a:bodyPr/>
-          <a:lstStyle/>
-          <a:p>
-            <a:r>
-              <a:rPr lang="en-US" dirty="0" smtClean="0"/>
-              <a:t>Add library</a:t>
-            </a:r>
-          </a:p>
-          <a:p>
-            <a:pPr marL="0" indent="0">
-              <a:buNone/>
-            </a:pPr>
-            <a:endParaRPr lang="en-US" dirty="0" smtClean="0"/>
-          </a:p>
-          <a:p>
-            <a:pPr marL="0" indent="0">
-              <a:buNone/>
-            </a:pPr>
-            <a:endParaRPr lang="en-US" dirty="0"/>
-          </a:p>
-        </p:txBody>
-      </p:sp>
       <p:pic>
         <p:nvPicPr>
-          <p:cNvPr id="3074" name="Picture 2"/>
+          <p:cNvPr id="2051" name="Picture 3"/>
           <p:cNvPicPr>
             <a:picLocks noChangeAspect="1" noChangeArrowheads="1"/>
           </p:cNvPicPr>
           <p:nvPr/>
         </p:nvPicPr>
         <p:blipFill>
-          <a:blip r:embed="rId2">
+          <a:blip r:embed="rId3">
             <a:extLst>
               <a:ext uri="{28A0092B-C50C-407E-A947-70E740481C1C}">
                 <a14:useLocalDpi xmlns:a14="http://schemas.microsoft.com/office/drawing/2010/main" val="0"/>
@@ -6343,8 +6442,8 @@
         </p:blipFill>
         <p:spPr bwMode="auto">
           <a:xfrm>
-            <a:off x="609600" y="2209800"/>
-            <a:ext cx="5334000" cy="3009900"/>
+            <a:off x="1172407" y="4118499"/>
+            <a:ext cx="6781800" cy="1181100"/>
           </a:xfrm>
           <a:prstGeom prst="rect">
             <a:avLst/>
@@ -6384,20 +6483,63 @@
           </a:extLst>
         </p:spPr>
       </p:pic>
+      <p:sp>
+        <p:nvSpPr>
+          <p:cNvPr id="4" name="TextBox 3"/>
+          <p:cNvSpPr txBox="1"/>
+          <p:nvPr/>
+        </p:nvSpPr>
+        <p:spPr>
+          <a:xfrm>
+            <a:off x="533400" y="3521476"/>
+            <a:ext cx="3810000" cy="461665"/>
+          </a:xfrm>
+          <a:prstGeom prst="rect">
+            <a:avLst/>
+          </a:prstGeom>
+          <a:noFill/>
+        </p:spPr>
+        <p:txBody>
+          <a:bodyPr wrap="square" rtlCol="0">
+            <a:spAutoFit/>
+          </a:bodyPr>
+          <a:lstStyle/>
+          <a:p>
+            <a:r>
+              <a:rPr lang="en-US" sz="2400" dirty="0" smtClean="0">
+                <a:latin typeface="Times New Roman" pitchFamily="18" charset="0"/>
+                <a:cs typeface="Times New Roman" pitchFamily="18" charset="0"/>
+              </a:rPr>
+              <a:t>Example: log to database</a:t>
+            </a:r>
+            <a:endParaRPr lang="en-US" sz="2400" dirty="0">
+              <a:latin typeface="Times New Roman" pitchFamily="18" charset="0"/>
+              <a:cs typeface="Times New Roman" pitchFamily="18" charset="0"/>
+            </a:endParaRPr>
+          </a:p>
+        </p:txBody>
+      </p:sp>
     </p:spTree>
     <p:extLst>
       <p:ext uri="{BB962C8B-B14F-4D97-AF65-F5344CB8AC3E}">
-        <p14:creationId xmlns:p14="http://schemas.microsoft.com/office/powerpoint/2010/main" val="179019780"/>
+        <p14:creationId xmlns:p14="http://schemas.microsoft.com/office/powerpoint/2010/main" val="2461896887"/>
       </p:ext>
     </p:extLst>
   </p:cSld>
   <p:clrMapOvr>
     <a:masterClrMapping/>
   </p:clrMapOvr>
+  <p:timing>
+    <p:tnLst>
+      <p:par>
+        <p:cTn id="1" dur="indefinite" restart="never" nodeType="tmRoot"/>
+      </p:par>
+    </p:tnLst>
+  </p:timing>
 </p:sld>
 </file>
 
-<file path=ppt/slides/slide17.xml><?xml version="1.0" encoding="utf-8"?>
+<file path=ppt/slides/slide18.xml><?xml version="1.0" encoding="utf-8"?>
 <p:sld xmlns:a="http://schemas.openxmlformats.org/drawingml/2006/main" xmlns:r="http://schemas.openxmlformats.org/officeDocument/2006/relationships" xmlns:p="http://schemas.openxmlformats.org/presentationml/2006/main">
   <p:cSld>
     <p:spTree>
@@ -6431,22 +6573,60 @@
           <a:p>
             <a:pPr algn="ctr"/>
             <a:r>
+              <a:rPr lang="en-US" dirty="0" smtClean="0">
+                <a:latin typeface="Times New Roman" pitchFamily="18" charset="0"/>
+                <a:cs typeface="Times New Roman" pitchFamily="18" charset="0"/>
+              </a:rPr>
+              <a:t>IMPLEMENT ON NETBEANS</a:t>
+            </a:r>
+            <a:endParaRPr lang="en-US" dirty="0">
+              <a:latin typeface="Times New Roman" pitchFamily="18" charset="0"/>
+              <a:cs typeface="Times New Roman" pitchFamily="18" charset="0"/>
+            </a:endParaRPr>
+          </a:p>
+        </p:txBody>
+      </p:sp>
+      <p:sp>
+        <p:nvSpPr>
+          <p:cNvPr id="3" name="Content Placeholder 2"/>
+          <p:cNvSpPr>
+            <a:spLocks noGrp="1"/>
+          </p:cNvSpPr>
+          <p:nvPr>
+            <p:ph sz="quarter" idx="1"/>
+          </p:nvPr>
+        </p:nvSpPr>
+        <p:spPr/>
+        <p:txBody>
+          <a:bodyPr/>
+          <a:lstStyle/>
+          <a:p>
+            <a:r>
               <a:rPr lang="en-US" dirty="0" smtClean="0"/>
-              <a:t>Path library </a:t>
-            </a:r>
+              <a:t>Add library</a:t>
+            </a:r>
+          </a:p>
+          <a:p>
+            <a:pPr marL="0" indent="0">
+              <a:buNone/>
+            </a:pPr>
+            <a:endParaRPr lang="en-US" dirty="0" smtClean="0"/>
+          </a:p>
+          <a:p>
+            <a:pPr marL="0" indent="0">
+              <a:buNone/>
+            </a:pPr>
             <a:endParaRPr lang="en-US" dirty="0"/>
           </a:p>
         </p:txBody>
       </p:sp>
       <p:pic>
         <p:nvPicPr>
-          <p:cNvPr id="4" name="Content Placeholder 3"/>
+          <p:cNvPr id="3074" name="Picture 2"/>
           <p:cNvPicPr>
-            <a:picLocks noGrp="1" noChangeAspect="1" noChangeArrowheads="1"/>
+            <a:picLocks noChangeAspect="1" noChangeArrowheads="1"/>
           </p:cNvPicPr>
-          <p:nvPr>
-            <p:ph sz="quarter" idx="1"/>
-          </p:nvPr>
+          <p:nvPr/>
         </p:nvPicPr>
         <p:blipFill>
           <a:blip r:embed="rId2">
@@ -6463,8 +6643,8 @@
         </p:blipFill>
         <p:spPr bwMode="auto">
           <a:xfrm>
-            <a:off x="457200" y="1600200"/>
-            <a:ext cx="7410450" cy="3743325"/>
+            <a:off x="609600" y="2209800"/>
+            <a:ext cx="5334000" cy="3009900"/>
           </a:xfrm>
           <a:prstGeom prst="rect">
             <a:avLst/>
@@ -6507,17 +6687,24 @@
     </p:spTree>
     <p:extLst>
       <p:ext uri="{BB962C8B-B14F-4D97-AF65-F5344CB8AC3E}">
-        <p14:creationId xmlns:p14="http://schemas.microsoft.com/office/powerpoint/2010/main" val="2575418481"/>
+        <p14:creationId xmlns:p14="http://schemas.microsoft.com/office/powerpoint/2010/main" val="179019780"/>
       </p:ext>
     </p:extLst>
   </p:cSld>
   <p:clrMapOvr>
     <a:masterClrMapping/>
   </p:clrMapOvr>
+  <p:timing>
+    <p:tnLst>
+      <p:par>
+        <p:cTn id="1" dur="indefinite" restart="never" nodeType="tmRoot"/>
+      </p:par>
+    </p:tnLst>
+  </p:timing>
 </p:sld>
 </file>
 
-<file path=ppt/slides/slide18.xml><?xml version="1.0" encoding="utf-8"?>
+<file path=ppt/slides/slide19.xml><?xml version="1.0" encoding="utf-8"?>
 <p:sld xmlns:a="http://schemas.openxmlformats.org/drawingml/2006/main" xmlns:r="http://schemas.openxmlformats.org/officeDocument/2006/relationships" xmlns:p="http://schemas.openxmlformats.org/presentationml/2006/main">
   <p:cSld>
     <p:spTree>
@@ -6552,7 +6739,7 @@
             <a:pPr algn="ctr"/>
             <a:r>
               <a:rPr lang="en-US" dirty="0" smtClean="0"/>
-              <a:t>Add library result</a:t>
+              <a:t>Path library </a:t>
             </a:r>
             <a:endParaRPr lang="en-US" dirty="0"/>
           </a:p>
@@ -6560,11 +6747,13 @@
       </p:sp>
       <p:pic>
         <p:nvPicPr>
-          <p:cNvPr id="4100" name="Picture 4"/>
+          <p:cNvPr id="4" name="Content Placeholder 3"/>
           <p:cNvPicPr>
-            <a:picLocks noChangeAspect="1" noChangeArrowheads="1"/>
+            <a:picLocks noGrp="1" noChangeAspect="1" noChangeArrowheads="1"/>
           </p:cNvPicPr>
-          <p:nvPr/>
+          <p:nvPr>
+            <p:ph sz="quarter" idx="1"/>
+          </p:nvPr>
         </p:nvPicPr>
         <p:blipFill>
           <a:blip r:embed="rId2">
@@ -6581,8 +6770,8 @@
         </p:blipFill>
         <p:spPr bwMode="auto">
           <a:xfrm>
-            <a:off x="2209800" y="2286000"/>
-            <a:ext cx="3886200" cy="2895600"/>
+            <a:off x="457200" y="1600200"/>
+            <a:ext cx="7410450" cy="3743325"/>
           </a:xfrm>
           <a:prstGeom prst="rect">
             <a:avLst/>
@@ -6625,17 +6814,24 @@
     </p:spTree>
     <p:extLst>
       <p:ext uri="{BB962C8B-B14F-4D97-AF65-F5344CB8AC3E}">
-        <p14:creationId xmlns:p14="http://schemas.microsoft.com/office/powerpoint/2010/main" val="3608482323"/>
+        <p14:creationId xmlns:p14="http://schemas.microsoft.com/office/powerpoint/2010/main" val="2575418481"/>
       </p:ext>
     </p:extLst>
   </p:cSld>
   <p:clrMapOvr>
     <a:masterClrMapping/>
   </p:clrMapOvr>
+  <p:timing>
+    <p:tnLst>
+      <p:par>
+        <p:cTn id="1" dur="indefinite" restart="never" nodeType="tmRoot"/>
+      </p:par>
+    </p:tnLst>
+  </p:timing>
 </p:sld>
 </file>
 
-<file path=ppt/slides/slide19.xml><?xml version="1.0" encoding="utf-8"?>
+<file path=ppt/slides/slide2.xml><?xml version="1.0" encoding="utf-8"?>
 <p:sld xmlns:a="http://schemas.openxmlformats.org/drawingml/2006/main" xmlns:r="http://schemas.openxmlformats.org/officeDocument/2006/relationships" xmlns:p="http://schemas.openxmlformats.org/presentationml/2006/main">
   <p:cSld>
     <p:spTree>
@@ -6654,6 +6850,127 @@
       </p:grpSpPr>
       <p:sp>
         <p:nvSpPr>
+          <p:cNvPr id="3" name="Content Placeholder 2"/>
+          <p:cNvSpPr>
+            <a:spLocks noGrp="1"/>
+          </p:cNvSpPr>
+          <p:nvPr>
+            <p:ph sz="quarter" idx="1"/>
+          </p:nvPr>
+        </p:nvSpPr>
+        <p:spPr/>
+        <p:txBody>
+          <a:bodyPr/>
+          <a:lstStyle/>
+          <a:p>
+            <a:r>
+              <a:rPr lang="en-US" dirty="0" smtClean="0"/>
+              <a:t>What is logging?</a:t>
+            </a:r>
+          </a:p>
+          <a:p>
+            <a:r>
+              <a:rPr lang="en-US" dirty="0" smtClean="0"/>
+              <a:t>Why must use logging?</a:t>
+            </a:r>
+          </a:p>
+          <a:p>
+            <a:r>
+              <a:rPr lang="en-US" dirty="0" smtClean="0"/>
+              <a:t>Log4j </a:t>
+            </a:r>
+          </a:p>
+          <a:p>
+            <a:pPr>
+              <a:buFont typeface="Arial" pitchFamily="34" charset="0"/>
+              <a:buChar char="•"/>
+            </a:pPr>
+            <a:r>
+              <a:rPr lang="en-US" dirty="0" smtClean="0"/>
+              <a:t>Overview</a:t>
+            </a:r>
+          </a:p>
+          <a:p>
+            <a:pPr>
+              <a:buFont typeface="Arial" pitchFamily="34" charset="0"/>
+              <a:buChar char="•"/>
+            </a:pPr>
+            <a:r>
+              <a:rPr lang="en-US" dirty="0" smtClean="0"/>
+              <a:t>Components</a:t>
+            </a:r>
+          </a:p>
+          <a:p>
+            <a:pPr>
+              <a:buFont typeface="Arial" pitchFamily="34" charset="0"/>
+              <a:buChar char="•"/>
+            </a:pPr>
+            <a:r>
+              <a:rPr lang="en-US" dirty="0" smtClean="0"/>
+              <a:t>Architecture</a:t>
+            </a:r>
+          </a:p>
+          <a:p>
+            <a:pPr>
+              <a:buFont typeface="Arial" pitchFamily="34" charset="0"/>
+              <a:buChar char="•"/>
+            </a:pPr>
+            <a:r>
+              <a:rPr lang="en-US" dirty="0" smtClean="0"/>
+              <a:t>Configuration</a:t>
+            </a:r>
+          </a:p>
+          <a:p>
+            <a:pPr>
+              <a:buFont typeface="Arial" pitchFamily="34" charset="0"/>
+              <a:buChar char="•"/>
+            </a:pPr>
+            <a:r>
+              <a:rPr lang="en-US" dirty="0" smtClean="0"/>
+              <a:t>Implement on tools </a:t>
+            </a:r>
+          </a:p>
+        </p:txBody>
+      </p:sp>
+    </p:spTree>
+    <p:extLst>
+      <p:ext uri="{BB962C8B-B14F-4D97-AF65-F5344CB8AC3E}">
+        <p14:creationId xmlns:p14="http://schemas.microsoft.com/office/powerpoint/2010/main" val="2757264361"/>
+      </p:ext>
+    </p:extLst>
+  </p:cSld>
+  <p:clrMapOvr>
+    <a:masterClrMapping/>
+  </p:clrMapOvr>
+  <p:timing>
+    <p:tnLst>
+      <p:par>
+        <p:cTn id="1" dur="indefinite" restart="never" nodeType="tmRoot"/>
+      </p:par>
+    </p:tnLst>
+  </p:timing>
+</p:sld>
+</file>
+
+<file path=ppt/slides/slide20.xml><?xml version="1.0" encoding="utf-8"?>
+<p:sld xmlns:a="http://schemas.openxmlformats.org/drawingml/2006/main" xmlns:r="http://schemas.openxmlformats.org/officeDocument/2006/relationships" xmlns:p="http://schemas.openxmlformats.org/presentationml/2006/main">
+  <p:cSld>
+    <p:spTree>
+      <p:nvGrpSpPr>
+        <p:cNvPr id="1" name=""/>
+        <p:cNvGrpSpPr/>
+        <p:nvPr/>
+      </p:nvGrpSpPr>
+      <p:grpSpPr>
+        <a:xfrm>
+          <a:off x="0" y="0"/>
+          <a:ext cx="0" cy="0"/>
+          <a:chOff x="0" y="0"/>
+          <a:chExt cx="0" cy="0"/>
+        </a:xfrm>
+      </p:grpSpPr>
+      <p:sp>
+        <p:nvSpPr>
           <p:cNvPr id="2" name="Title 1"/>
           <p:cNvSpPr>
             <a:spLocks noGrp="1"/>
@@ -6670,54 +6987,15 @@
             <a:pPr algn="ctr"/>
             <a:r>
               <a:rPr lang="en-US" dirty="0" smtClean="0"/>
-              <a:t>Log4j - Configuration</a:t>
-            </a:r>
-            <a:endParaRPr lang="en-US" dirty="0"/>
-          </a:p>
-        </p:txBody>
-      </p:sp>
-      <p:sp>
-        <p:nvSpPr>
-          <p:cNvPr id="3" name="Content Placeholder 2"/>
-          <p:cNvSpPr>
-            <a:spLocks noGrp="1"/>
-          </p:cNvSpPr>
-          <p:nvPr>
-            <p:ph sz="quarter" idx="1"/>
-          </p:nvPr>
-        </p:nvSpPr>
-        <p:spPr/>
-        <p:txBody>
-          <a:bodyPr/>
-          <a:lstStyle/>
-          <a:p>
-            <a:pPr marL="0" indent="0">
-              <a:buNone/>
-            </a:pPr>
-            <a:r>
-              <a:rPr lang="en-US" dirty="0" smtClean="0"/>
-              <a:t>Create new </a:t>
-            </a:r>
-            <a:r>
-              <a:rPr lang="en-US" dirty="0" err="1" smtClean="0"/>
-              <a:t>proberties</a:t>
-            </a:r>
-            <a:r>
-              <a:rPr lang="en-US" dirty="0" smtClean="0"/>
-              <a:t> file</a:t>
-            </a:r>
-          </a:p>
-          <a:p>
-            <a:pPr marL="0" indent="0">
-              <a:buNone/>
-            </a:pPr>
+              <a:t>Add library result</a:t>
+            </a:r>
             <a:endParaRPr lang="en-US" dirty="0"/>
           </a:p>
         </p:txBody>
       </p:sp>
       <p:pic>
         <p:nvPicPr>
-          <p:cNvPr id="5122" name="Picture 2"/>
+          <p:cNvPr id="4100" name="Picture 4"/>
           <p:cNvPicPr>
             <a:picLocks noChangeAspect="1" noChangeArrowheads="1"/>
           </p:cNvPicPr>
@@ -6738,8 +7016,8 @@
         </p:blipFill>
         <p:spPr bwMode="auto">
           <a:xfrm>
-            <a:off x="381000" y="2133600"/>
-            <a:ext cx="5029200" cy="3200400"/>
+            <a:off x="2209800" y="2286000"/>
+            <a:ext cx="3886200" cy="2895600"/>
           </a:xfrm>
           <a:prstGeom prst="rect">
             <a:avLst/>
@@ -6779,16 +7057,116 @@
           </a:extLst>
         </p:spPr>
       </p:pic>
+    </p:spTree>
+    <p:extLst>
+      <p:ext uri="{BB962C8B-B14F-4D97-AF65-F5344CB8AC3E}">
+        <p14:creationId xmlns:p14="http://schemas.microsoft.com/office/powerpoint/2010/main" val="3608482323"/>
+      </p:ext>
+    </p:extLst>
+  </p:cSld>
+  <p:clrMapOvr>
+    <a:masterClrMapping/>
+  </p:clrMapOvr>
+  <p:timing>
+    <p:tnLst>
+      <p:par>
+        <p:cTn id="1" dur="indefinite" restart="never" nodeType="tmRoot"/>
+      </p:par>
+    </p:tnLst>
+  </p:timing>
+</p:sld>
+</file>
+
+<file path=ppt/slides/slide21.xml><?xml version="1.0" encoding="utf-8"?>
+<p:sld xmlns:a="http://schemas.openxmlformats.org/drawingml/2006/main" xmlns:r="http://schemas.openxmlformats.org/officeDocument/2006/relationships" xmlns:p="http://schemas.openxmlformats.org/presentationml/2006/main">
+  <p:cSld>
+    <p:spTree>
+      <p:nvGrpSpPr>
+        <p:cNvPr id="1" name=""/>
+        <p:cNvGrpSpPr/>
+        <p:nvPr/>
+      </p:nvGrpSpPr>
+      <p:grpSpPr>
+        <a:xfrm>
+          <a:off x="0" y="0"/>
+          <a:ext cx="0" cy="0"/>
+          <a:chOff x="0" y="0"/>
+          <a:chExt cx="0" cy="0"/>
+        </a:xfrm>
+      </p:grpSpPr>
+      <p:sp>
+        <p:nvSpPr>
+          <p:cNvPr id="2" name="Title 1"/>
+          <p:cNvSpPr>
+            <a:spLocks noGrp="1"/>
+          </p:cNvSpPr>
+          <p:nvPr>
+            <p:ph type="title"/>
+          </p:nvPr>
+        </p:nvSpPr>
+        <p:spPr/>
+        <p:txBody>
+          <a:bodyPr/>
+          <a:lstStyle/>
+          <a:p>
+            <a:pPr algn="ctr"/>
+            <a:r>
+              <a:rPr lang="en-US" dirty="0" smtClean="0"/>
+              <a:t>Log4j - Configuration</a:t>
+            </a:r>
+            <a:endParaRPr lang="en-US" dirty="0"/>
+          </a:p>
+        </p:txBody>
+      </p:sp>
+      <p:sp>
+        <p:nvSpPr>
+          <p:cNvPr id="3" name="Content Placeholder 2"/>
+          <p:cNvSpPr>
+            <a:spLocks noGrp="1"/>
+          </p:cNvSpPr>
+          <p:nvPr>
+            <p:ph sz="quarter" idx="1"/>
+          </p:nvPr>
+        </p:nvSpPr>
+        <p:spPr/>
+        <p:txBody>
+          <a:bodyPr/>
+          <a:lstStyle/>
+          <a:p>
+            <a:pPr marL="0" indent="0">
+              <a:buNone/>
+            </a:pPr>
+            <a:r>
+              <a:rPr lang="en-US" dirty="0" smtClean="0"/>
+              <a:t>Create new </a:t>
+            </a:r>
+            <a:r>
+              <a:rPr lang="en-US" dirty="0" err="1" smtClean="0"/>
+              <a:t>proberties</a:t>
+            </a:r>
+            <a:r>
+              <a:rPr lang="en-US" dirty="0" smtClean="0"/>
+              <a:t> file</a:t>
+            </a:r>
+          </a:p>
+          <a:p>
+            <a:pPr marL="0" indent="0">
+              <a:buNone/>
+            </a:pPr>
+            <a:endParaRPr lang="en-US" dirty="0"/>
+          </a:p>
+        </p:txBody>
+      </p:sp>
       <p:pic>
         <p:nvPicPr>
-          <p:cNvPr id="5124" name="Picture 4"/>
+          <p:cNvPr id="5122" name="Picture 2"/>
           <p:cNvPicPr>
             <a:picLocks noChangeAspect="1" noChangeArrowheads="1"/>
           </p:cNvPicPr>
           <p:nvPr/>
         </p:nvPicPr>
         <p:blipFill>
-          <a:blip r:embed="rId3">
+          <a:blip r:embed="rId2">
             <a:extLst>
               <a:ext uri="{28A0092B-C50C-407E-A947-70E740481C1C}">
                 <a14:useLocalDpi xmlns:a14="http://schemas.microsoft.com/office/drawing/2010/main" val="0"/>
@@ -6802,8 +7180,8 @@
         </p:blipFill>
         <p:spPr bwMode="auto">
           <a:xfrm>
-            <a:off x="3429000" y="4724400"/>
-            <a:ext cx="4781550" cy="2019300"/>
+            <a:off x="381000" y="2133600"/>
+            <a:ext cx="5029200" cy="3200400"/>
           </a:xfrm>
           <a:prstGeom prst="rect">
             <a:avLst/>
@@ -6843,177 +7221,16 @@
           </a:extLst>
         </p:spPr>
       </p:pic>
-    </p:spTree>
-    <p:extLst>
-      <p:ext uri="{BB962C8B-B14F-4D97-AF65-F5344CB8AC3E}">
-        <p14:creationId xmlns:p14="http://schemas.microsoft.com/office/powerpoint/2010/main" val="2357150344"/>
-      </p:ext>
-    </p:extLst>
-  </p:cSld>
-  <p:clrMapOvr>
-    <a:masterClrMapping/>
-  </p:clrMapOvr>
-</p:sld>
-</file>
-
-<file path=ppt/slides/slide2.xml><?xml version="1.0" encoding="utf-8"?>
-<p:sld xmlns:a="http://schemas.openxmlformats.org/drawingml/2006/main" xmlns:r="http://schemas.openxmlformats.org/officeDocument/2006/relationships" xmlns:p="http://schemas.openxmlformats.org/presentationml/2006/main">
-  <p:cSld>
-    <p:spTree>
-      <p:nvGrpSpPr>
-        <p:cNvPr id="1" name=""/>
-        <p:cNvGrpSpPr/>
-        <p:nvPr/>
-      </p:nvGrpSpPr>
-      <p:grpSpPr>
-        <a:xfrm>
-          <a:off x="0" y="0"/>
-          <a:ext cx="0" cy="0"/>
-          <a:chOff x="0" y="0"/>
-          <a:chExt cx="0" cy="0"/>
-        </a:xfrm>
-      </p:grpSpPr>
-      <p:sp>
-        <p:nvSpPr>
-          <p:cNvPr id="2" name="Title 1"/>
-          <p:cNvSpPr>
-            <a:spLocks noGrp="1"/>
-          </p:cNvSpPr>
-          <p:nvPr>
-            <p:ph type="title"/>
-          </p:nvPr>
-        </p:nvSpPr>
-        <p:spPr/>
-        <p:txBody>
-          <a:bodyPr/>
-          <a:lstStyle/>
-          <a:p>
-            <a:pPr algn="ctr"/>
-            <a:r>
-              <a:rPr lang="en-US" b="1" i="1" dirty="0" smtClean="0">
-                <a:latin typeface="Times New Roman" pitchFamily="18" charset="0"/>
-                <a:cs typeface="Times New Roman" pitchFamily="18" charset="0"/>
-              </a:rPr>
-              <a:t>What is logging?</a:t>
-            </a:r>
-            <a:endParaRPr lang="en-US" b="1" i="1" dirty="0">
-              <a:latin typeface="Times New Roman" pitchFamily="18" charset="0"/>
-              <a:cs typeface="Times New Roman" pitchFamily="18" charset="0"/>
-            </a:endParaRPr>
-          </a:p>
-        </p:txBody>
-      </p:sp>
-      <p:sp>
-        <p:nvSpPr>
-          <p:cNvPr id="3" name="Content Placeholder 2"/>
-          <p:cNvSpPr>
-            <a:spLocks noGrp="1"/>
-          </p:cNvSpPr>
-          <p:nvPr>
-            <p:ph sz="quarter" idx="1"/>
-          </p:nvPr>
-        </p:nvSpPr>
-        <p:spPr/>
-        <p:txBody>
-          <a:bodyPr/>
-          <a:lstStyle/>
-          <a:p>
-            <a:pPr algn="just"/>
-            <a:r>
-              <a:rPr lang="en-US" dirty="0" smtClean="0">
-                <a:latin typeface="Times New Roman" pitchFamily="18" charset="0"/>
-                <a:cs typeface="Times New Roman" pitchFamily="18" charset="0"/>
-              </a:rPr>
-              <a:t>Logging refers </a:t>
-            </a:r>
-            <a:r>
-              <a:rPr lang="en-US" dirty="0">
-                <a:latin typeface="Times New Roman" pitchFamily="18" charset="0"/>
-                <a:cs typeface="Times New Roman" pitchFamily="18" charset="0"/>
-              </a:rPr>
-              <a:t>to automatically recording events and data structures about a software program's execution to provide an audit trail. Developers, testers and support personal are using the recorded information and data to identify software problems, to monitor live systems, for auditing purposes and post-deployment debugging.</a:t>
-            </a:r>
-          </a:p>
-        </p:txBody>
-      </p:sp>
-    </p:spTree>
-    <p:extLst>
-      <p:ext uri="{BB962C8B-B14F-4D97-AF65-F5344CB8AC3E}">
-        <p14:creationId xmlns:p14="http://schemas.microsoft.com/office/powerpoint/2010/main" val="901271107"/>
-      </p:ext>
-    </p:extLst>
-  </p:cSld>
-  <p:clrMapOvr>
-    <a:masterClrMapping/>
-  </p:clrMapOvr>
-  <p:timing>
-    <p:tnLst>
-      <p:par>
-        <p:cTn id="1" dur="indefinite" restart="never" nodeType="tmRoot"/>
-      </p:par>
-    </p:tnLst>
-  </p:timing>
-</p:sld>
-</file>
-
-<file path=ppt/slides/slide20.xml><?xml version="1.0" encoding="utf-8"?>
-<p:sld xmlns:a="http://schemas.openxmlformats.org/drawingml/2006/main" xmlns:r="http://schemas.openxmlformats.org/officeDocument/2006/relationships" xmlns:p="http://schemas.openxmlformats.org/presentationml/2006/main">
-  <p:cSld>
-    <p:spTree>
-      <p:nvGrpSpPr>
-        <p:cNvPr id="1" name=""/>
-        <p:cNvGrpSpPr/>
-        <p:nvPr/>
-      </p:nvGrpSpPr>
-      <p:grpSpPr>
-        <a:xfrm>
-          <a:off x="0" y="0"/>
-          <a:ext cx="0" cy="0"/>
-          <a:chOff x="0" y="0"/>
-          <a:chExt cx="0" cy="0"/>
-        </a:xfrm>
-      </p:grpSpPr>
-      <p:sp>
-        <p:nvSpPr>
-          <p:cNvPr id="2" name="Title 1"/>
-          <p:cNvSpPr>
-            <a:spLocks noGrp="1"/>
-          </p:cNvSpPr>
-          <p:nvPr>
-            <p:ph type="title"/>
-          </p:nvPr>
-        </p:nvSpPr>
-        <p:spPr/>
-        <p:txBody>
-          <a:bodyPr/>
-          <a:lstStyle/>
-          <a:p>
-            <a:r>
-              <a:rPr lang="en-US" dirty="0" smtClean="0"/>
-              <a:t>Result of creating </a:t>
-            </a:r>
-            <a:r>
-              <a:rPr lang="en-US" dirty="0" err="1" smtClean="0"/>
-              <a:t>proberties</a:t>
-            </a:r>
-            <a:r>
-              <a:rPr lang="en-US" dirty="0" smtClean="0"/>
-              <a:t> file</a:t>
-            </a:r>
-            <a:endParaRPr lang="en-US" dirty="0"/>
-          </a:p>
-        </p:txBody>
-      </p:sp>
       <p:pic>
         <p:nvPicPr>
-          <p:cNvPr id="6148" name="Picture 4"/>
+          <p:cNvPr id="5124" name="Picture 4"/>
           <p:cNvPicPr>
             <a:picLocks noChangeAspect="1" noChangeArrowheads="1"/>
           </p:cNvPicPr>
           <p:nvPr/>
         </p:nvPicPr>
         <p:blipFill>
-          <a:blip r:embed="rId2">
+          <a:blip r:embed="rId3">
             <a:extLst>
               <a:ext uri="{28A0092B-C50C-407E-A947-70E740481C1C}">
                 <a14:useLocalDpi xmlns:a14="http://schemas.microsoft.com/office/drawing/2010/main" val="0"/>
@@ -7027,8 +7244,8 @@
         </p:blipFill>
         <p:spPr bwMode="auto">
           <a:xfrm>
-            <a:off x="2895600" y="2057400"/>
-            <a:ext cx="3581399" cy="2238375"/>
+            <a:off x="3429000" y="4724400"/>
+            <a:ext cx="4781550" cy="2019300"/>
           </a:xfrm>
           <a:prstGeom prst="rect">
             <a:avLst/>
@@ -7071,17 +7288,24 @@
     </p:spTree>
     <p:extLst>
       <p:ext uri="{BB962C8B-B14F-4D97-AF65-F5344CB8AC3E}">
-        <p14:creationId xmlns:p14="http://schemas.microsoft.com/office/powerpoint/2010/main" val="884312847"/>
+        <p14:creationId xmlns:p14="http://schemas.microsoft.com/office/powerpoint/2010/main" val="2357150344"/>
       </p:ext>
     </p:extLst>
   </p:cSld>
   <p:clrMapOvr>
     <a:masterClrMapping/>
   </p:clrMapOvr>
+  <p:timing>
+    <p:tnLst>
+      <p:par>
+        <p:cTn id="1" dur="indefinite" restart="never" nodeType="tmRoot"/>
+      </p:par>
+    </p:tnLst>
+  </p:timing>
 </p:sld>
 </file>
 
-<file path=ppt/slides/slide21.xml><?xml version="1.0" encoding="utf-8"?>
+<file path=ppt/slides/slide22.xml><?xml version="1.0" encoding="utf-8"?>
 <p:sld xmlns:a="http://schemas.openxmlformats.org/drawingml/2006/main" xmlns:r="http://schemas.openxmlformats.org/officeDocument/2006/relationships" xmlns:p="http://schemas.openxmlformats.org/presentationml/2006/main">
   <p:cSld>
     <p:spTree>
@@ -7113,77 +7337,25 @@
           <a:bodyPr/>
           <a:lstStyle/>
           <a:p>
-            <a:pPr algn="ctr"/>
-            <a:r>
-              <a:rPr lang="en-US" dirty="0" smtClean="0">
-                <a:solidFill>
-                  <a:schemeClr val="tx1"/>
-                </a:solidFill>
-                <a:latin typeface="Times New Roman" pitchFamily="18" charset="0"/>
-                <a:cs typeface="Times New Roman" pitchFamily="18" charset="0"/>
-              </a:rPr>
-              <a:t>Main structure</a:t>
-            </a:r>
-            <a:endParaRPr lang="en-US" dirty="0">
-              <a:solidFill>
-                <a:schemeClr val="tx1"/>
-              </a:solidFill>
-              <a:latin typeface="Times New Roman" pitchFamily="18" charset="0"/>
-              <a:cs typeface="Times New Roman" pitchFamily="18" charset="0"/>
-            </a:endParaRPr>
-          </a:p>
-        </p:txBody>
-      </p:sp>
-      <p:sp>
-        <p:nvSpPr>
-          <p:cNvPr id="3" name="Content Placeholder 2"/>
-          <p:cNvSpPr>
-            <a:spLocks noGrp="1"/>
-          </p:cNvSpPr>
-          <p:nvPr>
-            <p:ph sz="quarter" idx="1"/>
-          </p:nvPr>
-        </p:nvSpPr>
-        <p:spPr/>
-        <p:txBody>
-          <a:bodyPr/>
-          <a:lstStyle/>
-          <a:p>
             <a:r>
               <a:rPr lang="en-US" dirty="0" smtClean="0"/>
-              <a:t>There are two main components</a:t>
-            </a:r>
-          </a:p>
-          <a:p>
-            <a:pPr marL="457200" indent="-457200">
-              <a:buAutoNum type="arabicPeriod"/>
-            </a:pPr>
+              <a:t>Result of creating </a:t>
+            </a:r>
+            <a:r>
+              <a:rPr lang="en-US" dirty="0" err="1" smtClean="0"/>
+              <a:t>proberties</a:t>
+            </a:r>
             <a:r>
               <a:rPr lang="en-US" dirty="0" smtClean="0"/>
-              <a:t>Logger</a:t>
-            </a:r>
-          </a:p>
-          <a:p>
-            <a:pPr marL="457200" indent="-457200">
-              <a:buAutoNum type="arabicPeriod"/>
-            </a:pPr>
-            <a:r>
-              <a:rPr lang="en-US" dirty="0" err="1" smtClean="0"/>
-              <a:t>Appender</a:t>
-            </a:r>
-            <a:endParaRPr lang="en-US" dirty="0" smtClean="0"/>
-          </a:p>
-          <a:p>
-            <a:pPr marL="457200" indent="-457200">
-              <a:buAutoNum type="arabicPeriod"/>
-            </a:pPr>
+              <a:t> file</a:t>
+            </a:r>
             <a:endParaRPr lang="en-US" dirty="0"/>
           </a:p>
         </p:txBody>
       </p:sp>
       <p:pic>
         <p:nvPicPr>
-          <p:cNvPr id="7170" name="Picture 2"/>
+          <p:cNvPr id="6148" name="Picture 4"/>
           <p:cNvPicPr>
             <a:picLocks noChangeAspect="1" noChangeArrowheads="1"/>
           </p:cNvPicPr>
@@ -7204,8 +7376,8 @@
         </p:blipFill>
         <p:spPr bwMode="auto">
           <a:xfrm>
-            <a:off x="1371600" y="3124200"/>
-            <a:ext cx="5800725" cy="904875"/>
+            <a:off x="2895600" y="2057400"/>
+            <a:ext cx="3581399" cy="2238375"/>
           </a:xfrm>
           <a:prstGeom prst="rect">
             <a:avLst/>
@@ -7248,6 +7420,190 @@
     </p:spTree>
     <p:extLst>
       <p:ext uri="{BB962C8B-B14F-4D97-AF65-F5344CB8AC3E}">
+        <p14:creationId xmlns:p14="http://schemas.microsoft.com/office/powerpoint/2010/main" val="884312847"/>
+      </p:ext>
+    </p:extLst>
+  </p:cSld>
+  <p:clrMapOvr>
+    <a:masterClrMapping/>
+  </p:clrMapOvr>
+  <p:timing>
+    <p:tnLst>
+      <p:par>
+        <p:cTn id="1" dur="indefinite" restart="never" nodeType="tmRoot"/>
+      </p:par>
+    </p:tnLst>
+  </p:timing>
+</p:sld>
+</file>
+
+<file path=ppt/slides/slide23.xml><?xml version="1.0" encoding="utf-8"?>
+<p:sld xmlns:a="http://schemas.openxmlformats.org/drawingml/2006/main" xmlns:r="http://schemas.openxmlformats.org/officeDocument/2006/relationships" xmlns:p="http://schemas.openxmlformats.org/presentationml/2006/main">
+  <p:cSld>
+    <p:spTree>
+      <p:nvGrpSpPr>
+        <p:cNvPr id="1" name=""/>
+        <p:cNvGrpSpPr/>
+        <p:nvPr/>
+      </p:nvGrpSpPr>
+      <p:grpSpPr>
+        <a:xfrm>
+          <a:off x="0" y="0"/>
+          <a:ext cx="0" cy="0"/>
+          <a:chOff x="0" y="0"/>
+          <a:chExt cx="0" cy="0"/>
+        </a:xfrm>
+      </p:grpSpPr>
+      <p:sp>
+        <p:nvSpPr>
+          <p:cNvPr id="2" name="Title 1"/>
+          <p:cNvSpPr>
+            <a:spLocks noGrp="1"/>
+          </p:cNvSpPr>
+          <p:nvPr>
+            <p:ph type="title"/>
+          </p:nvPr>
+        </p:nvSpPr>
+        <p:spPr/>
+        <p:txBody>
+          <a:bodyPr/>
+          <a:lstStyle/>
+          <a:p>
+            <a:pPr algn="ctr"/>
+            <a:r>
+              <a:rPr lang="en-US" dirty="0" smtClean="0">
+                <a:solidFill>
+                  <a:schemeClr val="tx1"/>
+                </a:solidFill>
+                <a:latin typeface="Times New Roman" pitchFamily="18" charset="0"/>
+                <a:cs typeface="Times New Roman" pitchFamily="18" charset="0"/>
+              </a:rPr>
+              <a:t>Main structure</a:t>
+            </a:r>
+            <a:endParaRPr lang="en-US" dirty="0">
+              <a:solidFill>
+                <a:schemeClr val="tx1"/>
+              </a:solidFill>
+              <a:latin typeface="Times New Roman" pitchFamily="18" charset="0"/>
+              <a:cs typeface="Times New Roman" pitchFamily="18" charset="0"/>
+            </a:endParaRPr>
+          </a:p>
+        </p:txBody>
+      </p:sp>
+      <p:sp>
+        <p:nvSpPr>
+          <p:cNvPr id="3" name="Content Placeholder 2"/>
+          <p:cNvSpPr>
+            <a:spLocks noGrp="1"/>
+          </p:cNvSpPr>
+          <p:nvPr>
+            <p:ph sz="quarter" idx="1"/>
+          </p:nvPr>
+        </p:nvSpPr>
+        <p:spPr/>
+        <p:txBody>
+          <a:bodyPr/>
+          <a:lstStyle/>
+          <a:p>
+            <a:r>
+              <a:rPr lang="en-US" dirty="0" smtClean="0"/>
+              <a:t>There are two main components</a:t>
+            </a:r>
+          </a:p>
+          <a:p>
+            <a:pPr marL="457200" indent="-457200">
+              <a:buAutoNum type="arabicPeriod"/>
+            </a:pPr>
+            <a:r>
+              <a:rPr lang="en-US" dirty="0" smtClean="0"/>
+              <a:t>Logger</a:t>
+            </a:r>
+          </a:p>
+          <a:p>
+            <a:pPr marL="457200" indent="-457200">
+              <a:buAutoNum type="arabicPeriod"/>
+            </a:pPr>
+            <a:r>
+              <a:rPr lang="en-US" dirty="0" err="1" smtClean="0"/>
+              <a:t>Appender</a:t>
+            </a:r>
+            <a:endParaRPr lang="en-US" dirty="0" smtClean="0"/>
+          </a:p>
+          <a:p>
+            <a:pPr marL="457200" indent="-457200">
+              <a:buAutoNum type="arabicPeriod"/>
+            </a:pPr>
+            <a:endParaRPr lang="en-US" dirty="0"/>
+          </a:p>
+        </p:txBody>
+      </p:sp>
+      <p:pic>
+        <p:nvPicPr>
+          <p:cNvPr id="7170" name="Picture 2"/>
+          <p:cNvPicPr>
+            <a:picLocks noChangeAspect="1" noChangeArrowheads="1"/>
+          </p:cNvPicPr>
+          <p:nvPr/>
+        </p:nvPicPr>
+        <p:blipFill>
+          <a:blip r:embed="rId2">
+            <a:extLst>
+              <a:ext uri="{28A0092B-C50C-407E-A947-70E740481C1C}">
+                <a14:useLocalDpi xmlns:a14="http://schemas.microsoft.com/office/drawing/2010/main" val="0"/>
+              </a:ext>
+            </a:extLst>
+          </a:blip>
+          <a:srcRect/>
+          <a:stretch>
+            <a:fillRect/>
+          </a:stretch>
+        </p:blipFill>
+        <p:spPr bwMode="auto">
+          <a:xfrm>
+            <a:off x="1371600" y="3124200"/>
+            <a:ext cx="5800725" cy="904875"/>
+          </a:xfrm>
+          <a:prstGeom prst="rect">
+            <a:avLst/>
+          </a:prstGeom>
+          <a:noFill/>
+          <a:ln>
+            <a:noFill/>
+          </a:ln>
+          <a:effectLst/>
+          <a:extLst>
+            <a:ext uri="{909E8E84-426E-40DD-AFC4-6F175D3DCCD1}">
+              <a14:hiddenFill xmlns:a14="http://schemas.microsoft.com/office/drawing/2010/main">
+                <a:solidFill>
+                  <a:schemeClr val="accent1"/>
+                </a:solidFill>
+              </a14:hiddenFill>
+            </a:ext>
+            <a:ext uri="{91240B29-F687-4F45-9708-019B960494DF}">
+              <a14:hiddenLine xmlns:a14="http://schemas.microsoft.com/office/drawing/2010/main" w="9525">
+                <a:solidFill>
+                  <a:schemeClr val="tx1"/>
+                </a:solidFill>
+                <a:miter lim="800000"/>
+                <a:headEnd/>
+                <a:tailEnd/>
+              </a14:hiddenLine>
+            </a:ext>
+            <a:ext uri="{AF507438-7753-43E0-B8FC-AC1667EBCBE1}">
+              <a14:hiddenEffects xmlns:a14="http://schemas.microsoft.com/office/drawing/2010/main">
+                <a:effectLst>
+                  <a:outerShdw dist="35921" dir="2700000" algn="ctr" rotWithShape="0">
+                    <a:schemeClr val="bg2"/>
+                  </a:outerShdw>
+                </a:effectLst>
+              </a14:hiddenEffects>
+            </a:ext>
+          </a:extLst>
+        </p:spPr>
+      </p:pic>
+    </p:spTree>
+    <p:extLst>
+      <p:ext uri="{BB962C8B-B14F-4D97-AF65-F5344CB8AC3E}">
         <p14:creationId xmlns:p14="http://schemas.microsoft.com/office/powerpoint/2010/main" val="190392337"/>
       </p:ext>
     </p:extLst>
@@ -7255,10 +7611,17 @@
   <p:clrMapOvr>
     <a:masterClrMapping/>
   </p:clrMapOvr>
+  <p:timing>
+    <p:tnLst>
+      <p:par>
+        <p:cTn id="1" dur="indefinite" restart="never" nodeType="tmRoot"/>
+      </p:par>
+    </p:tnLst>
+  </p:timing>
 </p:sld>
 </file>
 
-<file path=ppt/slides/slide22.xml><?xml version="1.0" encoding="utf-8"?>
+<file path=ppt/slides/slide24.xml><?xml version="1.0" encoding="utf-8"?>
 <p:sld xmlns:a="http://schemas.openxmlformats.org/drawingml/2006/main" xmlns:r="http://schemas.openxmlformats.org/officeDocument/2006/relationships" xmlns:p="http://schemas.openxmlformats.org/presentationml/2006/main">
   <p:cSld>
     <p:spTree>
@@ -7622,7 +7985,7 @@
 </p:sld>
 </file>
 
-<file path=ppt/slides/slide23.xml><?xml version="1.0" encoding="utf-8"?>
+<file path=ppt/slides/slide25.xml><?xml version="1.0" encoding="utf-8"?>
 <p:sld xmlns:a="http://schemas.openxmlformats.org/drawingml/2006/main" xmlns:r="http://schemas.openxmlformats.org/officeDocument/2006/relationships" xmlns:p="http://schemas.openxmlformats.org/presentationml/2006/main">
   <p:cSld>
     <p:spTree>
@@ -7789,7 +8152,7 @@
 </p:sld>
 </file>
 
-<file path=ppt/slides/slide24.xml><?xml version="1.0" encoding="utf-8"?>
+<file path=ppt/slides/slide26.xml><?xml version="1.0" encoding="utf-8"?>
 <p:sld xmlns:a="http://schemas.openxmlformats.org/drawingml/2006/main" xmlns:r="http://schemas.openxmlformats.org/officeDocument/2006/relationships" xmlns:p="http://schemas.openxmlformats.org/presentationml/2006/main">
   <p:cSld>
     <p:spTree>
@@ -8185,6 +8548,100 @@
 </p:sld>
 </file>
 
+<file path=ppt/slides/slide27.xml><?xml version="1.0" encoding="utf-8"?>
+<p:sld xmlns:a="http://schemas.openxmlformats.org/drawingml/2006/main" xmlns:r="http://schemas.openxmlformats.org/officeDocument/2006/relationships" xmlns:p="http://schemas.openxmlformats.org/presentationml/2006/main">
+  <p:cSld>
+    <p:spTree>
+      <p:nvGrpSpPr>
+        <p:cNvPr id="1" name=""/>
+        <p:cNvGrpSpPr/>
+        <p:nvPr/>
+      </p:nvGrpSpPr>
+      <p:grpSpPr>
+        <a:xfrm>
+          <a:off x="0" y="0"/>
+          <a:ext cx="0" cy="0"/>
+          <a:chOff x="0" y="0"/>
+          <a:chExt cx="0" cy="0"/>
+        </a:xfrm>
+      </p:grpSpPr>
+      <p:sp>
+        <p:nvSpPr>
+          <p:cNvPr id="2" name="Title 1"/>
+          <p:cNvSpPr>
+            <a:spLocks noGrp="1"/>
+          </p:cNvSpPr>
+          <p:nvPr>
+            <p:ph type="title"/>
+          </p:nvPr>
+        </p:nvSpPr>
+        <p:spPr/>
+        <p:txBody>
+          <a:bodyPr/>
+          <a:lstStyle/>
+          <a:p>
+            <a:pPr algn="ctr"/>
+            <a:r>
+              <a:rPr lang="en-US" dirty="0" smtClean="0"/>
+              <a:t>REFERENCE </a:t>
+            </a:r>
+            <a:endParaRPr lang="en-US" dirty="0"/>
+          </a:p>
+        </p:txBody>
+      </p:sp>
+      <p:sp>
+        <p:nvSpPr>
+          <p:cNvPr id="3" name="Content Placeholder 2"/>
+          <p:cNvSpPr>
+            <a:spLocks noGrp="1"/>
+          </p:cNvSpPr>
+          <p:nvPr>
+            <p:ph sz="quarter" idx="1"/>
+          </p:nvPr>
+        </p:nvSpPr>
+        <p:spPr/>
+        <p:txBody>
+          <a:bodyPr/>
+          <a:lstStyle/>
+          <a:p>
+            <a:r>
+              <a:rPr lang="en-US" u="sng" dirty="0">
+                <a:hlinkClick r:id="rId2"/>
+              </a:rPr>
+              <a:t>http://logging.apache.org/log4j/2.x/</a:t>
+            </a:r>
+            <a:endParaRPr lang="en-US" dirty="0"/>
+          </a:p>
+          <a:p>
+            <a:r>
+              <a:rPr lang="en-US" u="sng" dirty="0" smtClean="0">
+                <a:hlinkClick r:id="rId3"/>
+              </a:rPr>
+              <a:t>http</a:t>
+            </a:r>
+            <a:r>
+              <a:rPr lang="en-US" u="sng" dirty="0">
+                <a:hlinkClick r:id="rId3"/>
+              </a:rPr>
+              <a:t>://www.tutorialspoint.com/log4j/</a:t>
+            </a:r>
+            <a:endParaRPr lang="en-US" dirty="0"/>
+          </a:p>
+        </p:txBody>
+      </p:sp>
+    </p:spTree>
+    <p:extLst>
+      <p:ext uri="{BB962C8B-B14F-4D97-AF65-F5344CB8AC3E}">
+        <p14:creationId xmlns:p14="http://schemas.microsoft.com/office/powerpoint/2010/main" val="539481262"/>
+      </p:ext>
+    </p:extLst>
+  </p:cSld>
+  <p:clrMapOvr>
+    <a:masterClrMapping/>
+  </p:clrMapOvr>
+</p:sld>
+</file>
+
 <file path=ppt/slides/slide3.xml><?xml version="1.0" encoding="utf-8"?>
 <p:sld xmlns:a="http://schemas.openxmlformats.org/drawingml/2006/main" xmlns:r="http://schemas.openxmlformats.org/officeDocument/2006/relationships" xmlns:p="http://schemas.openxmlformats.org/presentationml/2006/main">
   <p:cSld>
@@ -8219,149 +8676,56 @@
           <a:p>
             <a:pPr algn="ctr"/>
             <a:r>
+              <a:rPr lang="en-US" b="1" i="1" dirty="0" smtClean="0">
+                <a:latin typeface="Times New Roman" pitchFamily="18" charset="0"/>
+                <a:cs typeface="Times New Roman" pitchFamily="18" charset="0"/>
+              </a:rPr>
+              <a:t>What is logging?</a:t>
+            </a:r>
+            <a:endParaRPr lang="en-US" b="1" i="1" dirty="0">
+              <a:latin typeface="Times New Roman" pitchFamily="18" charset="0"/>
+              <a:cs typeface="Times New Roman" pitchFamily="18" charset="0"/>
+            </a:endParaRPr>
+          </a:p>
+        </p:txBody>
+      </p:sp>
+      <p:sp>
+        <p:nvSpPr>
+          <p:cNvPr id="3" name="Content Placeholder 2"/>
+          <p:cNvSpPr>
+            <a:spLocks noGrp="1"/>
+          </p:cNvSpPr>
+          <p:nvPr>
+            <p:ph sz="quarter" idx="1"/>
+          </p:nvPr>
+        </p:nvSpPr>
+        <p:spPr/>
+        <p:txBody>
+          <a:bodyPr/>
+          <a:lstStyle/>
+          <a:p>
+            <a:pPr algn="just"/>
+            <a:r>
               <a:rPr lang="en-US" dirty="0" smtClean="0">
                 <a:latin typeface="Times New Roman" pitchFamily="18" charset="0"/>
                 <a:cs typeface="Times New Roman" pitchFamily="18" charset="0"/>
               </a:rPr>
-              <a:t>Why must use logging?</a:t>
-            </a:r>
-            <a:endParaRPr lang="en-US" dirty="0">
-              <a:latin typeface="Times New Roman" pitchFamily="18" charset="0"/>
-              <a:cs typeface="Times New Roman" pitchFamily="18" charset="0"/>
-            </a:endParaRPr>
-          </a:p>
-        </p:txBody>
-      </p:sp>
-      <p:sp>
-        <p:nvSpPr>
-          <p:cNvPr id="3" name="Content Placeholder 2"/>
-          <p:cNvSpPr>
-            <a:spLocks noGrp="1"/>
-          </p:cNvSpPr>
-          <p:nvPr>
-            <p:ph sz="quarter" idx="1"/>
-          </p:nvPr>
-        </p:nvSpPr>
-        <p:spPr/>
-        <p:txBody>
-          <a:bodyPr>
-            <a:normAutofit/>
-          </a:bodyPr>
-          <a:lstStyle/>
-          <a:p>
-            <a:pPr algn="just"/>
+              <a:t>Logging refers </a:t>
+            </a:r>
             <a:r>
               <a:rPr lang="en-US" dirty="0">
                 <a:latin typeface="Times New Roman" pitchFamily="18" charset="0"/>
                 <a:cs typeface="Times New Roman" pitchFamily="18" charset="0"/>
               </a:rPr>
-              <a:t>To begin with, </a:t>
-            </a:r>
-            <a:r>
-              <a:rPr lang="en-US" dirty="0" err="1">
-                <a:latin typeface="Times New Roman" pitchFamily="18" charset="0"/>
-                <a:cs typeface="Times New Roman" pitchFamily="18" charset="0"/>
-              </a:rPr>
-              <a:t>System.out.println</a:t>
-            </a:r>
-            <a:r>
-              <a:rPr lang="en-US" dirty="0">
-                <a:latin typeface="Times New Roman" pitchFamily="18" charset="0"/>
-                <a:cs typeface="Times New Roman" pitchFamily="18" charset="0"/>
-              </a:rPr>
-              <a:t> outputs to standard output, which typically is a console window. The output from </a:t>
-            </a:r>
-            <a:r>
-              <a:rPr lang="en-US" dirty="0" smtClean="0">
-                <a:latin typeface="Times New Roman" pitchFamily="18" charset="0"/>
-                <a:cs typeface="Times New Roman" pitchFamily="18" charset="0"/>
-              </a:rPr>
-              <a:t>Logging can </a:t>
-            </a:r>
-            <a:r>
-              <a:rPr lang="en-US" dirty="0">
-                <a:latin typeface="Times New Roman" pitchFamily="18" charset="0"/>
-                <a:cs typeface="Times New Roman" pitchFamily="18" charset="0"/>
-              </a:rPr>
-              <a:t>go to the console, but it can also go to an email server, a </a:t>
-            </a:r>
-            <a:r>
-              <a:rPr lang="en-US" dirty="0" smtClean="0">
-                <a:latin typeface="Times New Roman" pitchFamily="18" charset="0"/>
-                <a:cs typeface="Times New Roman" pitchFamily="18" charset="0"/>
-              </a:rPr>
-              <a:t>database</a:t>
-            </a:r>
-            <a:r>
-              <a:rPr lang="en-US" dirty="0">
-                <a:latin typeface="Times New Roman" pitchFamily="18" charset="0"/>
-                <a:cs typeface="Times New Roman" pitchFamily="18" charset="0"/>
-              </a:rPr>
-              <a:t> table, a log file, or various other destinations</a:t>
-            </a:r>
-            <a:r>
-              <a:rPr lang="en-US" dirty="0" smtClean="0">
-                <a:latin typeface="Times New Roman" pitchFamily="18" charset="0"/>
-                <a:cs typeface="Times New Roman" pitchFamily="18" charset="0"/>
-              </a:rPr>
-              <a:t>.</a:t>
-            </a:r>
-          </a:p>
-          <a:p>
-            <a:pPr algn="just"/>
-            <a:r>
-              <a:rPr lang="en-US" dirty="0">
-                <a:latin typeface="Times New Roman" pitchFamily="18" charset="0"/>
-                <a:cs typeface="Times New Roman" pitchFamily="18" charset="0"/>
-              </a:rPr>
-              <a:t>you can </a:t>
-            </a:r>
-            <a:r>
-              <a:rPr lang="en-US" dirty="0" smtClean="0">
-                <a:latin typeface="Times New Roman" pitchFamily="18" charset="0"/>
-                <a:cs typeface="Times New Roman" pitchFamily="18" charset="0"/>
-              </a:rPr>
-              <a:t>configure via </a:t>
-            </a:r>
-            <a:r>
-              <a:rPr lang="en-US" dirty="0">
-                <a:latin typeface="Times New Roman" pitchFamily="18" charset="0"/>
-                <a:cs typeface="Times New Roman" pitchFamily="18" charset="0"/>
-              </a:rPr>
-              <a:t>a configuration file. This means that you can change </a:t>
-            </a:r>
-            <a:r>
-              <a:rPr lang="en-US" dirty="0" smtClean="0">
-                <a:latin typeface="Times New Roman" pitchFamily="18" charset="0"/>
-                <a:cs typeface="Times New Roman" pitchFamily="18" charset="0"/>
-              </a:rPr>
-              <a:t>your logging </a:t>
-            </a:r>
-            <a:r>
-              <a:rPr lang="en-US" dirty="0">
-                <a:latin typeface="Times New Roman" pitchFamily="18" charset="0"/>
-                <a:cs typeface="Times New Roman" pitchFamily="18" charset="0"/>
-              </a:rPr>
-              <a:t>configuration without requiring code updates</a:t>
-            </a:r>
-            <a:r>
-              <a:rPr lang="en-US" dirty="0" smtClean="0">
-                <a:latin typeface="Times New Roman" pitchFamily="18" charset="0"/>
-                <a:cs typeface="Times New Roman" pitchFamily="18" charset="0"/>
-              </a:rPr>
-              <a:t>.</a:t>
-            </a:r>
-            <a:endParaRPr lang="en-US" dirty="0">
-              <a:latin typeface="Times New Roman" pitchFamily="18" charset="0"/>
-              <a:cs typeface="Times New Roman" pitchFamily="18" charset="0"/>
-            </a:endParaRPr>
+              <a:t>to automatically recording events and data structures about a software program's execution to provide an audit trail. Developers, testers and support personal are using the recorded information and data to identify software problems, to monitor live systems, for auditing purposes and post-deployment debugging.</a:t>
+            </a:r>
           </a:p>
         </p:txBody>
       </p:sp>
     </p:spTree>
     <p:extLst>
       <p:ext uri="{BB962C8B-B14F-4D97-AF65-F5344CB8AC3E}">
-        <p14:creationId xmlns:p14="http://schemas.microsoft.com/office/powerpoint/2010/main" val="2774162570"/>
+        <p14:creationId xmlns:p14="http://schemas.microsoft.com/office/powerpoint/2010/main" val="901271107"/>
       </p:ext>
     </p:extLst>
   </p:cSld>
@@ -8412,15 +8776,11 @@
           <a:p>
             <a:pPr algn="ctr"/>
             <a:r>
-              <a:rPr lang="en-US" dirty="0" smtClean="0"/>
-              <a:t> </a:t>
-            </a:r>
-            <a:r>
               <a:rPr lang="en-US" dirty="0" smtClean="0">
                 <a:latin typeface="Times New Roman" pitchFamily="18" charset="0"/>
                 <a:cs typeface="Times New Roman" pitchFamily="18" charset="0"/>
               </a:rPr>
-              <a:t>log4j Overview </a:t>
+              <a:t>Why must use logging?</a:t>
             </a:r>
             <a:endParaRPr lang="en-US" dirty="0">
               <a:latin typeface="Times New Roman" pitchFamily="18" charset="0"/>
@@ -8441,39 +8801,112 @@
         </p:nvSpPr>
         <p:spPr/>
         <p:txBody>
-          <a:bodyPr/>
-          <a:lstStyle/>
-          <a:p>
+          <a:bodyPr>
+            <a:normAutofit/>
+          </a:bodyPr>
+          <a:lstStyle/>
+          <a:p>
+            <a:pPr algn="just"/>
             <a:r>
               <a:rPr lang="en-US" dirty="0">
                 <a:latin typeface="Times New Roman" pitchFamily="18" charset="0"/>
                 <a:cs typeface="Times New Roman" pitchFamily="18" charset="0"/>
               </a:rPr>
-              <a:t>log4j is a reliable, fast and flexible logging framework (APIs) written in Java, which is distributed under the Apache Software </a:t>
+              <a:t>To begin with, </a:t>
+            </a:r>
+            <a:r>
+              <a:rPr lang="en-US" dirty="0" err="1">
+                <a:latin typeface="Times New Roman" pitchFamily="18" charset="0"/>
+                <a:cs typeface="Times New Roman" pitchFamily="18" charset="0"/>
+              </a:rPr>
+              <a:t>System.out.println</a:t>
+            </a:r>
+            <a:r>
+              <a:rPr lang="en-US" dirty="0">
+                <a:latin typeface="Times New Roman" pitchFamily="18" charset="0"/>
+                <a:cs typeface="Times New Roman" pitchFamily="18" charset="0"/>
+              </a:rPr>
+              <a:t> outputs to standard output, which typically is a console window. The output from </a:t>
             </a:r>
             <a:r>
               <a:rPr lang="en-US" dirty="0" smtClean="0">
                 <a:latin typeface="Times New Roman" pitchFamily="18" charset="0"/>
                 <a:cs typeface="Times New Roman" pitchFamily="18" charset="0"/>
               </a:rPr>
-              <a:t>License.</a:t>
-            </a:r>
-          </a:p>
-          <a:p>
-            <a:pPr algn="just"/>
+              <a:t>Logging can </a:t>
+            </a:r>
             <a:r>
               <a:rPr lang="en-US" dirty="0">
                 <a:latin typeface="Times New Roman" pitchFamily="18" charset="0"/>
                 <a:cs typeface="Times New Roman" pitchFamily="18" charset="0"/>
               </a:rPr>
-              <a:t>It views the logging process in terms of levels of priorities and offers mechanisms to direct logging information to a great variety of destinations, such as a database, file, </a:t>
+              <a:t>go to the console, but it can also go to an email server, a </a:t>
             </a:r>
             <a:r>
               <a:rPr lang="en-US" dirty="0" smtClean="0">
                 <a:latin typeface="Times New Roman" pitchFamily="18" charset="0"/>
                 <a:cs typeface="Times New Roman" pitchFamily="18" charset="0"/>
               </a:rPr>
-              <a:t>console</a:t>
+              <a:t>database</a:t>
+            </a:r>
+            <a:r>
+              <a:rPr lang="en-US" dirty="0">
+                <a:latin typeface="Times New Roman" pitchFamily="18" charset="0"/>
+                <a:cs typeface="Times New Roman" pitchFamily="18" charset="0"/>
+              </a:rPr>
+              <a:t> table, a log file, or various other destinations</a:t>
+            </a:r>
+            <a:r>
+              <a:rPr lang="en-US" dirty="0" smtClean="0">
+                <a:latin typeface="Times New Roman" pitchFamily="18" charset="0"/>
+                <a:cs typeface="Times New Roman" pitchFamily="18" charset="0"/>
+              </a:rPr>
+              <a:t>.</a:t>
+            </a:r>
+          </a:p>
+          <a:p>
+            <a:pPr algn="just"/>
+            <a:r>
+              <a:rPr lang="en-US" dirty="0">
+                <a:latin typeface="Times New Roman" pitchFamily="18" charset="0"/>
+                <a:cs typeface="Times New Roman" pitchFamily="18" charset="0"/>
+              </a:rPr>
+              <a:t>you can </a:t>
+            </a:r>
+            <a:r>
+              <a:rPr lang="en-US" dirty="0" smtClean="0">
+                <a:latin typeface="Times New Roman" pitchFamily="18" charset="0"/>
+                <a:cs typeface="Times New Roman" pitchFamily="18" charset="0"/>
+              </a:rPr>
+              <a:t>configure via </a:t>
+            </a:r>
+            <a:r>
+              <a:rPr lang="en-US" dirty="0">
+                <a:latin typeface="Times New Roman" pitchFamily="18" charset="0"/>
+                <a:cs typeface="Times New Roman" pitchFamily="18" charset="0"/>
+              </a:rPr>
+              <a:t>a configuration file. This means that you can change </a:t>
+            </a:r>
+            <a:r>
+              <a:rPr lang="en-US" dirty="0" smtClean="0">
+                <a:latin typeface="Times New Roman" pitchFamily="18" charset="0"/>
+                <a:cs typeface="Times New Roman" pitchFamily="18" charset="0"/>
+              </a:rPr>
+              <a:t>your logging </a:t>
+            </a:r>
+            <a:r>
+              <a:rPr lang="en-US" dirty="0">
+                <a:latin typeface="Times New Roman" pitchFamily="18" charset="0"/>
+                <a:cs typeface="Times New Roman" pitchFamily="18" charset="0"/>
+              </a:rPr>
+              <a:t>configuration without requiring code updates</a:t>
+            </a:r>
+            <a:r>
+              <a:rPr lang="en-US" dirty="0" smtClean="0">
+                <a:latin typeface="Times New Roman" pitchFamily="18" charset="0"/>
+                <a:cs typeface="Times New Roman" pitchFamily="18" charset="0"/>
+              </a:rPr>
+              <a:t>.</a:t>
             </a:r>
           </a:p>
         </p:txBody>
@@ -8481,7 +8914,7 @@
     </p:spTree>
     <p:extLst>
       <p:ext uri="{BB962C8B-B14F-4D97-AF65-F5344CB8AC3E}">
-        <p14:creationId xmlns:p14="http://schemas.microsoft.com/office/powerpoint/2010/main" val="2792377164"/>
+        <p14:creationId xmlns:p14="http://schemas.microsoft.com/office/powerpoint/2010/main" val="2774162570"/>
       </p:ext>
     </p:extLst>
   </p:cSld>
@@ -8533,89 +8966,88 @@
             <a:pPr algn="ctr"/>
             <a:r>
               <a:rPr lang="en-US" dirty="0" smtClean="0"/>
-              <a:t>Log4j Components </a:t>
-            </a:r>
-            <a:endParaRPr lang="en-US" dirty="0"/>
-          </a:p>
-        </p:txBody>
-      </p:sp>
-      <p:sp>
-        <p:nvSpPr>
-          <p:cNvPr id="3" name="Content Placeholder 2"/>
-          <p:cNvSpPr>
-            <a:spLocks noGrp="1"/>
-          </p:cNvSpPr>
-          <p:nvPr>
-            <p:ph sz="quarter" idx="1"/>
-          </p:nvPr>
-        </p:nvSpPr>
-        <p:spPr/>
-        <p:txBody>
-          <a:bodyPr/>
-          <a:lstStyle/>
-          <a:p>
-            <a:r>
-              <a:rPr lang="en-US" b="1" dirty="0">
+              <a:t> </a:t>
+            </a:r>
+            <a:r>
+              <a:rPr lang="en-US" dirty="0" smtClean="0">
                 <a:latin typeface="Times New Roman" pitchFamily="18" charset="0"/>
                 <a:cs typeface="Times New Roman" pitchFamily="18" charset="0"/>
               </a:rPr>
-              <a:t>loggers</a:t>
-            </a:r>
+              <a:t>log4j Overview </a:t>
+            </a:r>
+            <a:endParaRPr lang="en-US" dirty="0">
+              <a:latin typeface="Times New Roman" pitchFamily="18" charset="0"/>
+              <a:cs typeface="Times New Roman" pitchFamily="18" charset="0"/>
+            </a:endParaRPr>
+          </a:p>
+        </p:txBody>
+      </p:sp>
+      <p:sp>
+        <p:nvSpPr>
+          <p:cNvPr id="3" name="Content Placeholder 2"/>
+          <p:cNvSpPr>
+            <a:spLocks noGrp="1"/>
+          </p:cNvSpPr>
+          <p:nvPr>
+            <p:ph sz="quarter" idx="1"/>
+          </p:nvPr>
+        </p:nvSpPr>
+        <p:spPr/>
+        <p:txBody>
+          <a:bodyPr/>
+          <a:lstStyle/>
+          <a:p>
             <a:r>
               <a:rPr lang="en-US" dirty="0">
                 <a:latin typeface="Times New Roman" pitchFamily="18" charset="0"/>
                 <a:cs typeface="Times New Roman" pitchFamily="18" charset="0"/>
               </a:rPr>
-              <a:t>: Responsible for capturing logging information.</a:t>
-            </a:r>
-          </a:p>
-          <a:p>
-            <a:r>
-              <a:rPr lang="en-US" b="1" dirty="0" err="1">
+              <a:t>log4j is a reliable, fast and flexible logging framework (APIs) written in Java, which is distributed under the Apache Software </a:t>
+            </a:r>
+            <a:r>
+              <a:rPr lang="en-US" dirty="0" smtClean="0">
                 <a:latin typeface="Times New Roman" pitchFamily="18" charset="0"/>
                 <a:cs typeface="Times New Roman" pitchFamily="18" charset="0"/>
               </a:rPr>
-              <a:t>appenders</a:t>
-            </a:r>
+              <a:t>License.</a:t>
+            </a:r>
+          </a:p>
+          <a:p>
+            <a:pPr algn="just"/>
             <a:r>
               <a:rPr lang="en-US" dirty="0">
                 <a:latin typeface="Times New Roman" pitchFamily="18" charset="0"/>
                 <a:cs typeface="Times New Roman" pitchFamily="18" charset="0"/>
               </a:rPr>
-              <a:t>: Responsible for publishing logging information to various preferred destinations.</a:t>
-            </a:r>
-          </a:p>
-          <a:p>
-            <a:r>
-              <a:rPr lang="en-US" b="1" dirty="0">
+              <a:t>It views the logging process in terms of levels of priorities and offers mechanisms to direct logging information to a great variety of destinations, such as a database, file, </a:t>
+            </a:r>
+            <a:r>
+              <a:rPr lang="en-US" dirty="0" smtClean="0">
                 <a:latin typeface="Times New Roman" pitchFamily="18" charset="0"/>
                 <a:cs typeface="Times New Roman" pitchFamily="18" charset="0"/>
               </a:rPr>
-              <a:t>layouts</a:t>
-            </a:r>
-            <a:r>
-              <a:rPr lang="en-US" dirty="0">
-                <a:latin typeface="Times New Roman" pitchFamily="18" charset="0"/>
-                <a:cs typeface="Times New Roman" pitchFamily="18" charset="0"/>
-              </a:rPr>
-              <a:t>: Responsible for formatting logging information in different styles.</a:t>
-            </a:r>
-          </a:p>
-          <a:p>
-            <a:endParaRPr lang="en-US" dirty="0"/>
+              <a:t>console</a:t>
+            </a:r>
           </a:p>
         </p:txBody>
       </p:sp>
     </p:spTree>
     <p:extLst>
       <p:ext uri="{BB962C8B-B14F-4D97-AF65-F5344CB8AC3E}">
-        <p14:creationId xmlns:p14="http://schemas.microsoft.com/office/powerpoint/2010/main" val="1694926837"/>
+        <p14:creationId xmlns:p14="http://schemas.microsoft.com/office/powerpoint/2010/main" val="2792377164"/>
       </p:ext>
     </p:extLst>
   </p:cSld>
   <p:clrMapOvr>
     <a:masterClrMapping/>
   </p:clrMapOvr>
+  <p:timing>
+    <p:tnLst>
+      <p:par>
+        <p:cTn id="1" dur="indefinite" restart="never" nodeType="tmRoot"/>
+      </p:par>
+    </p:tnLst>
+  </p:timing>
 </p:sld>
 </file>
 
@@ -8653,9 +9085,10 @@
           <a:p>
             <a:pPr algn="ctr"/>
             <a:r>
-              <a:rPr lang="en-US" dirty="0"/>
-              <a:t>log4j - Architecture</a:t>
-            </a:r>
+              <a:rPr lang="en-US" dirty="0" smtClean="0"/>
+              <a:t>Log4j Components </a:t>
+            </a:r>
+            <a:endParaRPr lang="en-US" dirty="0"/>
           </a:p>
         </p:txBody>
       </p:sp>
@@ -8669,164 +9102,91 @@
             <p:ph sz="quarter" idx="1"/>
           </p:nvPr>
         </p:nvSpPr>
-        <p:spPr/>
-        <p:txBody>
-          <a:bodyPr/>
-          <a:lstStyle/>
-          <a:p>
-            <a:pPr algn="just"/>
-            <a:r>
-              <a:rPr lang="en-US" dirty="0" smtClean="0">
+        <p:spPr>
+          <a:xfrm>
+            <a:off x="457200" y="4419600"/>
+            <a:ext cx="7467600" cy="2054352"/>
+          </a:xfrm>
+        </p:spPr>
+        <p:txBody>
+          <a:bodyPr>
+            <a:normAutofit fontScale="77500" lnSpcReduction="20000"/>
+          </a:bodyPr>
+          <a:lstStyle/>
+          <a:p>
+            <a:pPr marL="0" indent="0">
+              <a:buNone/>
+            </a:pPr>
+            <a:endParaRPr lang="en-US" b="1" dirty="0" smtClean="0">
+              <a:latin typeface="Times New Roman" pitchFamily="18" charset="0"/>
+              <a:cs typeface="Times New Roman" pitchFamily="18" charset="0"/>
+            </a:endParaRPr>
+          </a:p>
+          <a:p>
+            <a:pPr marL="0" indent="0">
+              <a:buNone/>
+            </a:pPr>
+            <a:endParaRPr lang="en-US" b="1" dirty="0" smtClean="0">
+              <a:latin typeface="Times New Roman" pitchFamily="18" charset="0"/>
+              <a:cs typeface="Times New Roman" pitchFamily="18" charset="0"/>
+            </a:endParaRPr>
+          </a:p>
+          <a:p>
+            <a:r>
+              <a:rPr lang="en-US" b="1" dirty="0" smtClean="0">
                 <a:latin typeface="Times New Roman" pitchFamily="18" charset="0"/>
                 <a:cs typeface="Times New Roman" pitchFamily="18" charset="0"/>
               </a:rPr>
-              <a:t>There </a:t>
+              <a:t>loggers</a:t>
             </a:r>
             <a:r>
               <a:rPr lang="en-US" dirty="0">
                 <a:latin typeface="Times New Roman" pitchFamily="18" charset="0"/>
                 <a:cs typeface="Times New Roman" pitchFamily="18" charset="0"/>
               </a:rPr>
-              <a:t>are two types of objects available with log4j framework.</a:t>
-            </a:r>
-          </a:p>
-          <a:p>
-            <a:pPr algn="just"/>
+              <a:t>: Responsible for capturing logging information.</a:t>
+            </a:r>
+          </a:p>
+          <a:p>
+            <a:r>
+              <a:rPr lang="en-US" b="1" dirty="0" err="1">
+                <a:latin typeface="Times New Roman" pitchFamily="18" charset="0"/>
+                <a:cs typeface="Times New Roman" pitchFamily="18" charset="0"/>
+              </a:rPr>
+              <a:t>appenders</a:t>
+            </a:r>
+            <a:r>
+              <a:rPr lang="en-US" dirty="0">
+                <a:latin typeface="Times New Roman" pitchFamily="18" charset="0"/>
+                <a:cs typeface="Times New Roman" pitchFamily="18" charset="0"/>
+              </a:rPr>
+              <a:t>: Responsible for publishing logging information to various preferred destinations.</a:t>
+            </a:r>
+          </a:p>
+          <a:p>
             <a:r>
               <a:rPr lang="en-US" b="1" dirty="0">
                 <a:latin typeface="Times New Roman" pitchFamily="18" charset="0"/>
                 <a:cs typeface="Times New Roman" pitchFamily="18" charset="0"/>
               </a:rPr>
-              <a:t>Core Objects:</a:t>
+              <a:t>layouts</a:t>
             </a:r>
             <a:r>
               <a:rPr lang="en-US" dirty="0">
                 <a:latin typeface="Times New Roman" pitchFamily="18" charset="0"/>
                 <a:cs typeface="Times New Roman" pitchFamily="18" charset="0"/>
               </a:rPr>
-              <a:t> These are mandatory objects of the framework. They are required to use the framework.</a:t>
-            </a:r>
-          </a:p>
-          <a:p>
-            <a:pPr algn="just"/>
-            <a:r>
-              <a:rPr lang="en-US" b="1" dirty="0">
-                <a:latin typeface="Times New Roman" pitchFamily="18" charset="0"/>
-                <a:cs typeface="Times New Roman" pitchFamily="18" charset="0"/>
-              </a:rPr>
-              <a:t>Support Objects:</a:t>
-            </a:r>
-            <a:r>
-              <a:rPr lang="en-US" dirty="0">
-                <a:latin typeface="Times New Roman" pitchFamily="18" charset="0"/>
-                <a:cs typeface="Times New Roman" pitchFamily="18" charset="0"/>
-              </a:rPr>
-              <a:t> These are optional objects of the framework. They support core objects to perform additional but important tasks.</a:t>
-            </a:r>
-          </a:p>
-          <a:p>
-            <a:pPr marL="0" indent="0">
-              <a:buNone/>
-            </a:pPr>
-            <a:endParaRPr lang="en-US" dirty="0"/>
-          </a:p>
-        </p:txBody>
-      </p:sp>
-    </p:spTree>
-    <p:extLst>
-      <p:ext uri="{BB962C8B-B14F-4D97-AF65-F5344CB8AC3E}">
-        <p14:creationId xmlns:p14="http://schemas.microsoft.com/office/powerpoint/2010/main" val="971871515"/>
-      </p:ext>
-    </p:extLst>
-  </p:cSld>
-  <p:clrMapOvr>
-    <a:masterClrMapping/>
-  </p:clrMapOvr>
-</p:sld>
-</file>
-
-<file path=ppt/slides/slide7.xml><?xml version="1.0" encoding="utf-8"?>
-<p:sld xmlns:a="http://schemas.openxmlformats.org/drawingml/2006/main" xmlns:r="http://schemas.openxmlformats.org/officeDocument/2006/relationships" xmlns:p="http://schemas.openxmlformats.org/presentationml/2006/main">
-  <p:cSld>
-    <p:spTree>
-      <p:nvGrpSpPr>
-        <p:cNvPr id="1" name=""/>
-        <p:cNvGrpSpPr/>
-        <p:nvPr/>
-      </p:nvGrpSpPr>
-      <p:grpSpPr>
-        <a:xfrm>
-          <a:off x="0" y="0"/>
-          <a:ext cx="0" cy="0"/>
-          <a:chOff x="0" y="0"/>
-          <a:chExt cx="0" cy="0"/>
-        </a:xfrm>
-      </p:grpSpPr>
-      <p:sp>
-        <p:nvSpPr>
-          <p:cNvPr id="2" name="Title 1"/>
-          <p:cNvSpPr>
-            <a:spLocks noGrp="1"/>
-          </p:cNvSpPr>
-          <p:nvPr>
-            <p:ph type="title"/>
-          </p:nvPr>
-        </p:nvSpPr>
-        <p:spPr/>
-        <p:txBody>
-          <a:bodyPr/>
-          <a:lstStyle/>
-          <a:p>
-            <a:pPr algn="ctr"/>
-            <a:r>
-              <a:rPr lang="en-US" dirty="0"/>
-              <a:t>log4j </a:t>
-            </a:r>
-            <a:r>
-              <a:rPr lang="en-US" dirty="0" smtClean="0"/>
-              <a:t>– Architecture(</a:t>
-            </a:r>
-            <a:r>
-              <a:rPr lang="en-US" dirty="0" err="1" smtClean="0"/>
-              <a:t>cont</a:t>
-            </a:r>
-            <a:r>
-              <a:rPr lang="en-US" dirty="0" smtClean="0"/>
-              <a:t>)</a:t>
-            </a:r>
-            <a:endParaRPr lang="en-US" dirty="0"/>
-          </a:p>
-        </p:txBody>
-      </p:sp>
-      <p:sp>
-        <p:nvSpPr>
-          <p:cNvPr id="3" name="Content Placeholder 2"/>
-          <p:cNvSpPr>
-            <a:spLocks noGrp="1"/>
-          </p:cNvSpPr>
-          <p:nvPr>
-            <p:ph sz="quarter" idx="1"/>
-          </p:nvPr>
-        </p:nvSpPr>
-        <p:spPr/>
-        <p:txBody>
-          <a:bodyPr/>
-          <a:lstStyle/>
-          <a:p>
-            <a:pPr marL="0" indent="0">
-              <a:buNone/>
-            </a:pPr>
-            <a:r>
-              <a:rPr lang="en-US" dirty="0" smtClean="0"/>
-              <a:t>Figure:</a:t>
-            </a:r>
+              <a:t>: Responsible for formatting logging information in different styles.</a:t>
+            </a:r>
+          </a:p>
+          <a:p>
             <a:endParaRPr lang="en-US" dirty="0"/>
           </a:p>
         </p:txBody>
       </p:sp>
       <p:pic>
         <p:nvPicPr>
-          <p:cNvPr id="1026" name="Picture 2"/>
+          <p:cNvPr id="2050" name="Picture 2"/>
           <p:cNvPicPr>
             <a:picLocks noChangeAspect="1" noChangeArrowheads="1"/>
           </p:cNvPicPr>
@@ -8847,8 +9207,8 @@
         </p:blipFill>
         <p:spPr bwMode="auto">
           <a:xfrm>
-            <a:off x="1905000" y="2057400"/>
-            <a:ext cx="6062663" cy="4276725"/>
+            <a:off x="2514600" y="2057400"/>
+            <a:ext cx="4105275" cy="2228850"/>
           </a:xfrm>
           <a:prstGeom prst="rect">
             <a:avLst/>
@@ -8891,17 +9251,24 @@
     </p:spTree>
     <p:extLst>
       <p:ext uri="{BB962C8B-B14F-4D97-AF65-F5344CB8AC3E}">
-        <p14:creationId xmlns:p14="http://schemas.microsoft.com/office/powerpoint/2010/main" val="3191128365"/>
+        <p14:creationId xmlns:p14="http://schemas.microsoft.com/office/powerpoint/2010/main" val="1694926837"/>
       </p:ext>
     </p:extLst>
   </p:cSld>
   <p:clrMapOvr>
     <a:masterClrMapping/>
   </p:clrMapOvr>
+  <p:timing>
+    <p:tnLst>
+      <p:par>
+        <p:cTn id="1" dur="indefinite" restart="never" nodeType="tmRoot"/>
+      </p:par>
+    </p:tnLst>
+  </p:timing>
 </p:sld>
 </file>
 
-<file path=ppt/slides/slide8.xml><?xml version="1.0" encoding="utf-8"?>
+<file path=ppt/slides/slide7.xml><?xml version="1.0" encoding="utf-8"?>
 <p:sld xmlns:a="http://schemas.openxmlformats.org/drawingml/2006/main" xmlns:r="http://schemas.openxmlformats.org/officeDocument/2006/relationships" xmlns:p="http://schemas.openxmlformats.org/presentationml/2006/main">
   <p:cSld>
     <p:spTree>
@@ -8928,48 +9295,36 @@
             <p:ph type="title"/>
           </p:nvPr>
         </p:nvSpPr>
-        <p:spPr/>
+        <p:spPr>
+          <a:xfrm>
+            <a:off x="457200" y="274638"/>
+            <a:ext cx="7467600" cy="663575"/>
+          </a:xfrm>
+        </p:spPr>
         <p:txBody>
           <a:bodyPr/>
           <a:lstStyle/>
           <a:p>
             <a:pPr algn="ctr"/>
             <a:r>
-              <a:rPr lang="en-US" dirty="0" smtClean="0">
-                <a:latin typeface="Times New Roman" pitchFamily="18" charset="0"/>
-                <a:cs typeface="Times New Roman" pitchFamily="18" charset="0"/>
-              </a:rPr>
-              <a:t>Logging levels</a:t>
-            </a:r>
-            <a:endParaRPr lang="en-US" dirty="0">
-              <a:latin typeface="Times New Roman" pitchFamily="18" charset="0"/>
-              <a:cs typeface="Times New Roman" pitchFamily="18" charset="0"/>
-            </a:endParaRPr>
-          </a:p>
-        </p:txBody>
-      </p:sp>
-      <p:sp>
-        <p:nvSpPr>
-          <p:cNvPr id="3" name="Content Placeholder 2"/>
-          <p:cNvSpPr>
-            <a:spLocks noGrp="1"/>
-          </p:cNvSpPr>
-          <p:nvPr>
-            <p:ph sz="quarter" idx="1"/>
-          </p:nvPr>
-        </p:nvSpPr>
-        <p:spPr/>
-        <p:txBody>
-          <a:bodyPr/>
-          <a:lstStyle/>
-          <a:p>
+              <a:rPr lang="en-US" dirty="0" smtClean="0"/>
+              <a:t>Log4j- components(</a:t>
+            </a:r>
+            <a:r>
+              <a:rPr lang="en-US" dirty="0" err="1" smtClean="0"/>
+              <a:t>cont</a:t>
+            </a:r>
+            <a:r>
+              <a:rPr lang="en-US" dirty="0" smtClean="0"/>
+              <a:t>)</a:t>
+            </a:r>
             <a:endParaRPr lang="en-US" dirty="0"/>
           </a:p>
         </p:txBody>
       </p:sp>
       <p:pic>
         <p:nvPicPr>
-          <p:cNvPr id="5122" name="Picture 2"/>
+          <p:cNvPr id="3074" name="Picture 2"/>
           <p:cNvPicPr>
             <a:picLocks noChangeAspect="1" noChangeArrowheads="1"/>
           </p:cNvPicPr>
@@ -8990,8 +9345,8 @@
         </p:blipFill>
         <p:spPr bwMode="auto">
           <a:xfrm>
-            <a:off x="533400" y="1600200"/>
-            <a:ext cx="7391400" cy="4448175"/>
+            <a:off x="609600" y="938213"/>
+            <a:ext cx="6858000" cy="4981575"/>
           </a:xfrm>
           <a:prstGeom prst="rect">
             <a:avLst/>
@@ -9034,13 +9389,153 @@
     </p:spTree>
     <p:extLst>
       <p:ext uri="{BB962C8B-B14F-4D97-AF65-F5344CB8AC3E}">
-        <p14:creationId xmlns:p14="http://schemas.microsoft.com/office/powerpoint/2010/main" val="3647076966"/>
+        <p14:creationId xmlns:p14="http://schemas.microsoft.com/office/powerpoint/2010/main" val="4148051548"/>
       </p:ext>
     </p:extLst>
   </p:cSld>
   <p:clrMapOvr>
     <a:masterClrMapping/>
   </p:clrMapOvr>
+  <p:timing>
+    <p:tnLst>
+      <p:par>
+        <p:cTn id="1" dur="indefinite" restart="never" nodeType="tmRoot"/>
+      </p:par>
+    </p:tnLst>
+  </p:timing>
+</p:sld>
+</file>
+
+<file path=ppt/slides/slide8.xml><?xml version="1.0" encoding="utf-8"?>
+<p:sld xmlns:a="http://schemas.openxmlformats.org/drawingml/2006/main" xmlns:r="http://schemas.openxmlformats.org/officeDocument/2006/relationships" xmlns:p="http://schemas.openxmlformats.org/presentationml/2006/main">
+  <p:cSld>
+    <p:spTree>
+      <p:nvGrpSpPr>
+        <p:cNvPr id="1" name=""/>
+        <p:cNvGrpSpPr/>
+        <p:nvPr/>
+      </p:nvGrpSpPr>
+      <p:grpSpPr>
+        <a:xfrm>
+          <a:off x="0" y="0"/>
+          <a:ext cx="0" cy="0"/>
+          <a:chOff x="0" y="0"/>
+          <a:chExt cx="0" cy="0"/>
+        </a:xfrm>
+      </p:grpSpPr>
+      <p:sp>
+        <p:nvSpPr>
+          <p:cNvPr id="2" name="Title 1"/>
+          <p:cNvSpPr>
+            <a:spLocks noGrp="1"/>
+          </p:cNvSpPr>
+          <p:nvPr>
+            <p:ph type="title"/>
+          </p:nvPr>
+        </p:nvSpPr>
+        <p:spPr/>
+        <p:txBody>
+          <a:bodyPr/>
+          <a:lstStyle/>
+          <a:p>
+            <a:pPr algn="ctr"/>
+            <a:r>
+              <a:rPr lang="en-US" dirty="0"/>
+              <a:t>log4j - Architecture</a:t>
+            </a:r>
+          </a:p>
+        </p:txBody>
+      </p:sp>
+      <p:sp>
+        <p:nvSpPr>
+          <p:cNvPr id="3" name="Content Placeholder 2"/>
+          <p:cNvSpPr>
+            <a:spLocks noGrp="1"/>
+          </p:cNvSpPr>
+          <p:nvPr>
+            <p:ph sz="quarter" idx="1"/>
+          </p:nvPr>
+        </p:nvSpPr>
+        <p:spPr/>
+        <p:txBody>
+          <a:bodyPr/>
+          <a:lstStyle/>
+          <a:p>
+            <a:pPr algn="just"/>
+            <a:r>
+              <a:rPr lang="en-US" dirty="0" smtClean="0">
+                <a:latin typeface="Times New Roman" pitchFamily="18" charset="0"/>
+                <a:cs typeface="Times New Roman" pitchFamily="18" charset="0"/>
+              </a:rPr>
+              <a:t>There </a:t>
+            </a:r>
+            <a:r>
+              <a:rPr lang="en-US" dirty="0">
+                <a:latin typeface="Times New Roman" pitchFamily="18" charset="0"/>
+                <a:cs typeface="Times New Roman" pitchFamily="18" charset="0"/>
+              </a:rPr>
+              <a:t>are two types of objects available with log4j framework.</a:t>
+            </a:r>
+          </a:p>
+          <a:p>
+            <a:pPr algn="just"/>
+            <a:r>
+              <a:rPr lang="en-US" b="1" dirty="0">
+                <a:latin typeface="Times New Roman" pitchFamily="18" charset="0"/>
+                <a:cs typeface="Times New Roman" pitchFamily="18" charset="0"/>
+              </a:rPr>
+              <a:t>Core Objects:</a:t>
+            </a:r>
+            <a:r>
+              <a:rPr lang="en-US" dirty="0">
+                <a:latin typeface="Times New Roman" pitchFamily="18" charset="0"/>
+                <a:cs typeface="Times New Roman" pitchFamily="18" charset="0"/>
+              </a:rPr>
+              <a:t> These are mandatory objects of the framework. They are required to use the framework.</a:t>
+            </a:r>
+          </a:p>
+          <a:p>
+            <a:pPr algn="just"/>
+            <a:r>
+              <a:rPr lang="en-US" b="1" dirty="0">
+                <a:latin typeface="Times New Roman" pitchFamily="18" charset="0"/>
+                <a:cs typeface="Times New Roman" pitchFamily="18" charset="0"/>
+              </a:rPr>
+              <a:t>Support Objects:</a:t>
+            </a:r>
+            <a:r>
+              <a:rPr lang="en-US" dirty="0">
+                <a:latin typeface="Times New Roman" pitchFamily="18" charset="0"/>
+                <a:cs typeface="Times New Roman" pitchFamily="18" charset="0"/>
+              </a:rPr>
+              <a:t> These are optional objects of the framework. They support core objects to perform additional but important tasks.</a:t>
+            </a:r>
+          </a:p>
+          <a:p>
+            <a:pPr marL="0" indent="0">
+              <a:buNone/>
+            </a:pPr>
+            <a:endParaRPr lang="en-US" dirty="0"/>
+          </a:p>
+        </p:txBody>
+      </p:sp>
+    </p:spTree>
+    <p:extLst>
+      <p:ext uri="{BB962C8B-B14F-4D97-AF65-F5344CB8AC3E}">
+        <p14:creationId xmlns:p14="http://schemas.microsoft.com/office/powerpoint/2010/main" val="971871515"/>
+      </p:ext>
+    </p:extLst>
+  </p:cSld>
+  <p:clrMapOvr>
+    <a:masterClrMapping/>
+  </p:clrMapOvr>
+  <p:timing>
+    <p:tnLst>
+      <p:par>
+        <p:cTn id="1" dur="indefinite" restart="never" nodeType="tmRoot"/>
+      </p:par>
+    </p:tnLst>
+  </p:timing>
 </p:sld>
 </file>
 
@@ -9078,19 +9573,21 @@
           <a:p>
             <a:pPr algn="ctr"/>
             <a:r>
-              <a:rPr lang="en-US" dirty="0">
-                <a:latin typeface="Times New Roman" pitchFamily="18" charset="0"/>
-                <a:cs typeface="Times New Roman" pitchFamily="18" charset="0"/>
-              </a:rPr>
-              <a:t>log4j - Logging Methods</a:t>
-            </a:r>
-            <a:r>
               <a:rPr lang="en-US" dirty="0"/>
-              <a:t/>
-            </a:r>
-            <a:br>
-              <a:rPr lang="en-US" dirty="0"/>
-            </a:br>
+              <a:t>log4j </a:t>
+            </a:r>
+            <a:r>
+              <a:rPr lang="en-US" dirty="0" smtClean="0"/>
+              <a:t>– Architecture(</a:t>
+            </a:r>
+            <a:r>
+              <a:rPr lang="en-US" dirty="0" err="1" smtClean="0"/>
+              <a:t>cont</a:t>
+            </a:r>
+            <a:r>
+              <a:rPr lang="en-US" dirty="0" smtClean="0"/>
+              <a:t>)</a:t>
+            </a:r>
             <a:endParaRPr lang="en-US" dirty="0"/>
           </a:p>
         </p:txBody>
@@ -9109,90 +9606,99 @@
         <p:txBody>
           <a:bodyPr/>
           <a:lstStyle/>
-          <a:p>
-            <a:pPr algn="just"/>
-            <a:r>
-              <a:rPr lang="en-US" dirty="0">
-                <a:latin typeface="Times New Roman" pitchFamily="18" charset="0"/>
-                <a:cs typeface="Times New Roman" pitchFamily="18" charset="0"/>
-              </a:rPr>
-              <a:t>Logger class provides a variety of methods to handle logging activities. The Logger class does not allow us to instantiate a new Logger instance but it provides two static methods for obtaining a Logger object −</a:t>
-            </a:r>
-          </a:p>
-          <a:p>
-            <a:pPr algn="just"/>
-            <a:r>
-              <a:rPr lang="en-US" b="1" dirty="0">
-                <a:latin typeface="Times New Roman" pitchFamily="18" charset="0"/>
-                <a:cs typeface="Times New Roman" pitchFamily="18" charset="0"/>
-              </a:rPr>
-              <a:t>public static Logger </a:t>
-            </a:r>
-            <a:r>
-              <a:rPr lang="en-US" b="1" dirty="0" err="1">
-                <a:latin typeface="Times New Roman" pitchFamily="18" charset="0"/>
-                <a:cs typeface="Times New Roman" pitchFamily="18" charset="0"/>
-              </a:rPr>
-              <a:t>getRootLogger</a:t>
-            </a:r>
-            <a:r>
-              <a:rPr lang="en-US" b="1" dirty="0">
-                <a:latin typeface="Times New Roman" pitchFamily="18" charset="0"/>
-                <a:cs typeface="Times New Roman" pitchFamily="18" charset="0"/>
-              </a:rPr>
-              <a:t>();</a:t>
-            </a:r>
-            <a:endParaRPr lang="en-US" dirty="0">
-              <a:latin typeface="Times New Roman" pitchFamily="18" charset="0"/>
-              <a:cs typeface="Times New Roman" pitchFamily="18" charset="0"/>
-            </a:endParaRPr>
-          </a:p>
-          <a:p>
-            <a:pPr algn="just"/>
-            <a:r>
-              <a:rPr lang="en-US" b="1" dirty="0">
-                <a:latin typeface="Times New Roman" pitchFamily="18" charset="0"/>
-                <a:cs typeface="Times New Roman" pitchFamily="18" charset="0"/>
-              </a:rPr>
-              <a:t>public static Logger </a:t>
-            </a:r>
-            <a:r>
-              <a:rPr lang="en-US" b="1" dirty="0" err="1">
-                <a:latin typeface="Times New Roman" pitchFamily="18" charset="0"/>
-                <a:cs typeface="Times New Roman" pitchFamily="18" charset="0"/>
-              </a:rPr>
-              <a:t>getLogger</a:t>
-            </a:r>
-            <a:r>
-              <a:rPr lang="en-US" b="1" dirty="0">
-                <a:latin typeface="Times New Roman" pitchFamily="18" charset="0"/>
-                <a:cs typeface="Times New Roman" pitchFamily="18" charset="0"/>
-              </a:rPr>
-              <a:t>(String name);</a:t>
-            </a:r>
-            <a:endParaRPr lang="en-US" dirty="0">
-              <a:latin typeface="Times New Roman" pitchFamily="18" charset="0"/>
-              <a:cs typeface="Times New Roman" pitchFamily="18" charset="0"/>
-            </a:endParaRPr>
-          </a:p>
           <a:p>
             <a:pPr marL="0" indent="0">
               <a:buNone/>
             </a:pPr>
+            <a:r>
+              <a:rPr lang="en-US" dirty="0" smtClean="0"/>
+              <a:t>Figure:</a:t>
+            </a:r>
             <a:endParaRPr lang="en-US" dirty="0"/>
           </a:p>
         </p:txBody>
       </p:sp>
+      <p:pic>
+        <p:nvPicPr>
+          <p:cNvPr id="1026" name="Picture 2"/>
+          <p:cNvPicPr>
+            <a:picLocks noChangeAspect="1" noChangeArrowheads="1"/>
+          </p:cNvPicPr>
+          <p:nvPr/>
+        </p:nvPicPr>
+        <p:blipFill>
+          <a:blip r:embed="rId2">
+            <a:extLst>
+              <a:ext uri="{28A0092B-C50C-407E-A947-70E740481C1C}">
+                <a14:useLocalDpi xmlns:a14="http://schemas.microsoft.com/office/drawing/2010/main" val="0"/>
+              </a:ext>
+            </a:extLst>
+          </a:blip>
+          <a:srcRect/>
+          <a:stretch>
+            <a:fillRect/>
+          </a:stretch>
+        </p:blipFill>
+        <p:spPr bwMode="auto">
+          <a:xfrm>
+            <a:off x="1905000" y="2057400"/>
+            <a:ext cx="6062663" cy="4276725"/>
+          </a:xfrm>
+          <a:prstGeom prst="rect">
+            <a:avLst/>
+          </a:prstGeom>
+          <a:noFill/>
+          <a:ln>
+            <a:noFill/>
+          </a:ln>
+          <a:effectLst/>
+          <a:extLst>
+            <a:ext uri="{909E8E84-426E-40DD-AFC4-6F175D3DCCD1}">
+              <a14:hiddenFill xmlns:a14="http://schemas.microsoft.com/office/drawing/2010/main">
+                <a:solidFill>
+                  <a:schemeClr val="accent1"/>
+                </a:solidFill>
+              </a14:hiddenFill>
+            </a:ext>
+            <a:ext uri="{91240B29-F687-4F45-9708-019B960494DF}">
+              <a14:hiddenLine xmlns:a14="http://schemas.microsoft.com/office/drawing/2010/main" w="9525">
+                <a:solidFill>
+                  <a:schemeClr val="tx1"/>
+                </a:solidFill>
+                <a:miter lim="800000"/>
+                <a:headEnd/>
+                <a:tailEnd/>
+              </a14:hiddenLine>
+            </a:ext>
+            <a:ext uri="{AF507438-7753-43E0-B8FC-AC1667EBCBE1}">
+              <a14:hiddenEffects xmlns:a14="http://schemas.microsoft.com/office/drawing/2010/main">
+                <a:effectLst>
+                  <a:outerShdw dist="35921" dir="2700000" algn="ctr" rotWithShape="0">
+                    <a:schemeClr val="bg2"/>
+                  </a:outerShdw>
+                </a:effectLst>
+              </a14:hiddenEffects>
+            </a:ext>
+          </a:extLst>
+        </p:spPr>
+      </p:pic>
     </p:spTree>
     <p:extLst>
       <p:ext uri="{BB962C8B-B14F-4D97-AF65-F5344CB8AC3E}">
-        <p14:creationId xmlns:p14="http://schemas.microsoft.com/office/powerpoint/2010/main" val="285784702"/>
+        <p14:creationId xmlns:p14="http://schemas.microsoft.com/office/powerpoint/2010/main" val="3191128365"/>
       </p:ext>
     </p:extLst>
   </p:cSld>
   <p:clrMapOvr>
     <a:masterClrMapping/>
   </p:clrMapOvr>
+  <p:timing>
+    <p:tnLst>
+      <p:par>
+        <p:cTn id="1" dur="indefinite" restart="never" nodeType="tmRoot"/>
+      </p:par>
+    </p:tnLst>
+  </p:timing>
 </p:sld>
 </file>
 
